--- a/Zwischenvortrag/Zwischenpraesentation.pptx
+++ b/Zwischenvortrag/Zwischenpraesentation.pptx
@@ -120,7 +120,18 @@
   </p:defaultTextStyle>
   <p:extLst>
     <p:ext uri="{EFAFB233-063F-42B5-8137-9DF3F51BA10A}">
-      <p15:sldGuideLst xmlns="" xmlns:p15="http://schemas.microsoft.com/office/powerpoint/2012/main"/>
+      <p15:sldGuideLst xmlns:p15="http://schemas.microsoft.com/office/powerpoint/2012/main">
+        <p15:guide id="1" orient="horz" pos="2160">
+          <p15:clr>
+            <a:srgbClr val="A4A3A4"/>
+          </p15:clr>
+        </p15:guide>
+        <p15:guide id="2" pos="3840">
+          <p15:clr>
+            <a:srgbClr val="A4A3A4"/>
+          </p15:clr>
+        </p15:guide>
+      </p15:sldGuideLst>
     </p:ext>
   </p:extLst>
 </p:presentation>
@@ -208,7 +219,7 @@
           <a:p>
             <a:fld id="{683D44F8-09BE-4E2C-8664-003F66647BE5}" type="datetimeFigureOut">
               <a:rPr lang="de-DE"/>
-              <a:t>20.09.2017</a:t>
+              <a:t>20.09.17</a:t>
             </a:fld>
             <a:endParaRPr lang="de-DE"/>
           </a:p>
@@ -366,7 +377,7 @@
           <a:p>
             <a:fld id="{70C89F93-C877-43F9-9B16-5344F31BB83F}" type="slidenum">
               <a:rPr lang="de-DE"/>
-              <a:t>‹Nr.›</a:t>
+              <a:t>‹#›</a:t>
             </a:fld>
             <a:endParaRPr lang="de-DE"/>
           </a:p>
@@ -1674,7 +1685,7 @@
           <a:p>
             <a:fld id="{D3EB3054-B75A-4BD7-8B3E-8DC0F614FAF3}" type="datetimeFigureOut">
               <a:rPr lang="de-DE" smtClean="0"/>
-              <a:t>20.09.2017</a:t>
+              <a:t>20.09.17</a:t>
             </a:fld>
             <a:endParaRPr lang="de-DE"/>
           </a:p>
@@ -1716,7 +1727,7 @@
           <a:p>
             <a:fld id="{802006FE-6571-4354-8775-F8708372C227}" type="slidenum">
               <a:rPr lang="de-DE" smtClean="0"/>
-              <a:t>‹Nr.›</a:t>
+              <a:t>‹#›</a:t>
             </a:fld>
             <a:endParaRPr lang="de-DE"/>
           </a:p>
@@ -1842,7 +1853,7 @@
           <a:p>
             <a:fld id="{D3EB3054-B75A-4BD7-8B3E-8DC0F614FAF3}" type="datetimeFigureOut">
               <a:rPr lang="de-DE" smtClean="0"/>
-              <a:t>20.09.2017</a:t>
+              <a:t>20.09.17</a:t>
             </a:fld>
             <a:endParaRPr lang="de-DE"/>
           </a:p>
@@ -1884,7 +1895,7 @@
           <a:p>
             <a:fld id="{802006FE-6571-4354-8775-F8708372C227}" type="slidenum">
               <a:rPr lang="de-DE" smtClean="0"/>
-              <a:t>‹Nr.›</a:t>
+              <a:t>‹#›</a:t>
             </a:fld>
             <a:endParaRPr lang="de-DE"/>
           </a:p>
@@ -2020,7 +2031,7 @@
           <a:p>
             <a:fld id="{D3EB3054-B75A-4BD7-8B3E-8DC0F614FAF3}" type="datetimeFigureOut">
               <a:rPr lang="de-DE" smtClean="0"/>
-              <a:t>20.09.2017</a:t>
+              <a:t>20.09.17</a:t>
             </a:fld>
             <a:endParaRPr lang="de-DE"/>
           </a:p>
@@ -2062,7 +2073,7 @@
           <a:p>
             <a:fld id="{802006FE-6571-4354-8775-F8708372C227}" type="slidenum">
               <a:rPr lang="de-DE" smtClean="0"/>
-              <a:t>‹Nr.›</a:t>
+              <a:t>‹#›</a:t>
             </a:fld>
             <a:endParaRPr lang="de-DE"/>
           </a:p>
@@ -2188,7 +2199,7 @@
           <a:p>
             <a:fld id="{D3EB3054-B75A-4BD7-8B3E-8DC0F614FAF3}" type="datetimeFigureOut">
               <a:rPr lang="de-DE" smtClean="0"/>
-              <a:t>20.09.2017</a:t>
+              <a:t>20.09.17</a:t>
             </a:fld>
             <a:endParaRPr lang="de-DE"/>
           </a:p>
@@ -2230,7 +2241,7 @@
           <a:p>
             <a:fld id="{802006FE-6571-4354-8775-F8708372C227}" type="slidenum">
               <a:rPr lang="de-DE" smtClean="0"/>
-              <a:t>‹Nr.›</a:t>
+              <a:t>‹#›</a:t>
             </a:fld>
             <a:endParaRPr lang="de-DE"/>
           </a:p>
@@ -2433,7 +2444,7 @@
           <a:p>
             <a:fld id="{D3EB3054-B75A-4BD7-8B3E-8DC0F614FAF3}" type="datetimeFigureOut">
               <a:rPr lang="de-DE" smtClean="0"/>
-              <a:t>20.09.2017</a:t>
+              <a:t>20.09.17</a:t>
             </a:fld>
             <a:endParaRPr lang="de-DE"/>
           </a:p>
@@ -2475,7 +2486,7 @@
           <a:p>
             <a:fld id="{802006FE-6571-4354-8775-F8708372C227}" type="slidenum">
               <a:rPr lang="de-DE" smtClean="0"/>
-              <a:t>‹Nr.›</a:t>
+              <a:t>‹#›</a:t>
             </a:fld>
             <a:endParaRPr lang="de-DE"/>
           </a:p>
@@ -2662,7 +2673,7 @@
           <a:p>
             <a:fld id="{D3EB3054-B75A-4BD7-8B3E-8DC0F614FAF3}" type="datetimeFigureOut">
               <a:rPr lang="de-DE" smtClean="0"/>
-              <a:t>20.09.2017</a:t>
+              <a:t>20.09.17</a:t>
             </a:fld>
             <a:endParaRPr lang="de-DE"/>
           </a:p>
@@ -2704,7 +2715,7 @@
           <a:p>
             <a:fld id="{802006FE-6571-4354-8775-F8708372C227}" type="slidenum">
               <a:rPr lang="de-DE" smtClean="0"/>
-              <a:t>‹Nr.›</a:t>
+              <a:t>‹#›</a:t>
             </a:fld>
             <a:endParaRPr lang="de-DE"/>
           </a:p>
@@ -3026,7 +3037,7 @@
           <a:p>
             <a:fld id="{D3EB3054-B75A-4BD7-8B3E-8DC0F614FAF3}" type="datetimeFigureOut">
               <a:rPr lang="de-DE" smtClean="0"/>
-              <a:t>20.09.2017</a:t>
+              <a:t>20.09.17</a:t>
             </a:fld>
             <a:endParaRPr lang="de-DE"/>
           </a:p>
@@ -3068,7 +3079,7 @@
           <a:p>
             <a:fld id="{802006FE-6571-4354-8775-F8708372C227}" type="slidenum">
               <a:rPr lang="de-DE" smtClean="0"/>
-              <a:t>‹Nr.›</a:t>
+              <a:t>‹#›</a:t>
             </a:fld>
             <a:endParaRPr lang="de-DE"/>
           </a:p>
@@ -3143,7 +3154,7 @@
           <a:p>
             <a:fld id="{D3EB3054-B75A-4BD7-8B3E-8DC0F614FAF3}" type="datetimeFigureOut">
               <a:rPr lang="de-DE" smtClean="0"/>
-              <a:t>20.09.2017</a:t>
+              <a:t>20.09.17</a:t>
             </a:fld>
             <a:endParaRPr lang="de-DE"/>
           </a:p>
@@ -3185,7 +3196,7 @@
           <a:p>
             <a:fld id="{802006FE-6571-4354-8775-F8708372C227}" type="slidenum">
               <a:rPr lang="de-DE" smtClean="0"/>
-              <a:t>‹Nr.›</a:t>
+              <a:t>‹#›</a:t>
             </a:fld>
             <a:endParaRPr lang="de-DE"/>
           </a:p>
@@ -3238,7 +3249,7 @@
           <a:p>
             <a:fld id="{D3EB3054-B75A-4BD7-8B3E-8DC0F614FAF3}" type="datetimeFigureOut">
               <a:rPr lang="de-DE" smtClean="0"/>
-              <a:t>20.09.2017</a:t>
+              <a:t>20.09.17</a:t>
             </a:fld>
             <a:endParaRPr lang="de-DE"/>
           </a:p>
@@ -3280,7 +3291,7 @@
           <a:p>
             <a:fld id="{802006FE-6571-4354-8775-F8708372C227}" type="slidenum">
               <a:rPr lang="de-DE" smtClean="0"/>
-              <a:t>‹Nr.›</a:t>
+              <a:t>‹#›</a:t>
             </a:fld>
             <a:endParaRPr lang="de-DE"/>
           </a:p>
@@ -3513,7 +3524,7 @@
           <a:p>
             <a:fld id="{D3EB3054-B75A-4BD7-8B3E-8DC0F614FAF3}" type="datetimeFigureOut">
               <a:rPr lang="de-DE" smtClean="0"/>
-              <a:t>20.09.2017</a:t>
+              <a:t>20.09.17</a:t>
             </a:fld>
             <a:endParaRPr lang="de-DE"/>
           </a:p>
@@ -3555,7 +3566,7 @@
           <a:p>
             <a:fld id="{802006FE-6571-4354-8775-F8708372C227}" type="slidenum">
               <a:rPr lang="de-DE" smtClean="0"/>
-              <a:t>‹Nr.›</a:t>
+              <a:t>‹#›</a:t>
             </a:fld>
             <a:endParaRPr lang="de-DE"/>
           </a:p>
@@ -3765,7 +3776,7 @@
           <a:p>
             <a:fld id="{D3EB3054-B75A-4BD7-8B3E-8DC0F614FAF3}" type="datetimeFigureOut">
               <a:rPr lang="de-DE" smtClean="0"/>
-              <a:t>20.09.2017</a:t>
+              <a:t>20.09.17</a:t>
             </a:fld>
             <a:endParaRPr lang="de-DE"/>
           </a:p>
@@ -3807,7 +3818,7 @@
           <a:p>
             <a:fld id="{802006FE-6571-4354-8775-F8708372C227}" type="slidenum">
               <a:rPr lang="de-DE" smtClean="0"/>
-              <a:t>‹Nr.›</a:t>
+              <a:t>‹#›</a:t>
             </a:fld>
             <a:endParaRPr lang="de-DE"/>
           </a:p>
@@ -3976,7 +3987,7 @@
           <a:p>
             <a:fld id="{D3EB3054-B75A-4BD7-8B3E-8DC0F614FAF3}" type="datetimeFigureOut">
               <a:rPr lang="de-DE" smtClean="0"/>
-              <a:t>20.09.2017</a:t>
+              <a:t>20.09.17</a:t>
             </a:fld>
             <a:endParaRPr lang="de-DE"/>
           </a:p>
@@ -4054,7 +4065,7 @@
           <a:p>
             <a:fld id="{802006FE-6571-4354-8775-F8708372C227}" type="slidenum">
               <a:rPr lang="de-DE" smtClean="0"/>
-              <a:t>‹Nr.›</a:t>
+              <a:t>‹#›</a:t>
             </a:fld>
             <a:endParaRPr lang="de-DE"/>
           </a:p>
@@ -4434,7 +4445,7 @@
           <p:cNvPr id="11" name="Freeform 3">
             <a:extLst>
               <a:ext uri="{FF2B5EF4-FFF2-40B4-BE49-F238E27FC236}">
-                <a16:creationId xmlns="" xmlns:a16="http://schemas.microsoft.com/office/drawing/2014/main" id="{F6429F11-64E2-4420-9B0C-F3F81BF0D15B}"/>
+                <a16:creationId xmlns:a16="http://schemas.microsoft.com/office/drawing/2014/main" xmlns="" id="{F6429F11-64E2-4420-9B0C-F3F81BF0D15B}"/>
               </a:ext>
             </a:extLst>
           </p:cNvPr>
@@ -4444,7 +4455,7 @@
           <p:nvPr>
             <p:extLst>
               <p:ext uri="{386F3935-93C4-4BCD-93E2-E3B085C9AB24}">
-                <p16:designElem xmlns="" xmlns:p16="http://schemas.microsoft.com/office/powerpoint/2015/main" val="1"/>
+                <p16:designElem xmlns:p16="http://schemas.microsoft.com/office/powerpoint/2015/main" val="1"/>
               </p:ext>
             </p:extLst>
           </p:nvPr>
@@ -4599,7 +4610,7 @@
           <p:cNvPr id="13" name="Freeform 4">
             <a:extLst>
               <a:ext uri="{FF2B5EF4-FFF2-40B4-BE49-F238E27FC236}">
-                <a16:creationId xmlns="" xmlns:a16="http://schemas.microsoft.com/office/drawing/2014/main" id="{62785A07-F203-435E-8E76-BB97680C2FCA}"/>
+                <a16:creationId xmlns:a16="http://schemas.microsoft.com/office/drawing/2014/main" xmlns="" id="{62785A07-F203-435E-8E76-BB97680C2FCA}"/>
               </a:ext>
             </a:extLst>
           </p:cNvPr>
@@ -4609,7 +4620,7 @@
           <p:nvPr>
             <p:extLst>
               <p:ext uri="{386F3935-93C4-4BCD-93E2-E3B085C9AB24}">
-                <p16:designElem xmlns="" xmlns:p16="http://schemas.microsoft.com/office/powerpoint/2015/main" val="1"/>
+                <p16:designElem xmlns:p16="http://schemas.microsoft.com/office/powerpoint/2015/main" val="1"/>
               </p:ext>
             </p:extLst>
           </p:nvPr>
@@ -4885,22 +4896,28 @@
       </p:grpSpPr>
       <p:pic>
         <p:nvPicPr>
-          <p:cNvPr id="4" name="Grafik 4" descr="Architektur.jpg"/>
+          <p:cNvPr id="2" name="Picture 1"/>
           <p:cNvPicPr>
             <a:picLocks noChangeAspect="1"/>
           </p:cNvPicPr>
           <p:nvPr/>
         </p:nvPicPr>
         <p:blipFill>
-          <a:blip r:embed="rId2"/>
+          <a:blip r:embed="rId2">
+            <a:extLst>
+              <a:ext uri="{28A0092B-C50C-407E-A947-70E740481C1C}">
+                <a14:useLocalDpi xmlns:a14="http://schemas.microsoft.com/office/drawing/2010/main" val="0"/>
+              </a:ext>
+            </a:extLst>
+          </a:blip>
           <a:stretch>
             <a:fillRect/>
           </a:stretch>
         </p:blipFill>
         <p:spPr>
           <a:xfrm>
-            <a:off x="687197" y="643466"/>
-            <a:ext cx="10817605" cy="5571067"/>
+            <a:off x="232032" y="347019"/>
+            <a:ext cx="11691563" cy="6016711"/>
           </a:xfrm>
           <a:prstGeom prst="rect">
             <a:avLst/>
@@ -4946,7 +4963,7 @@
           <p:nvPr>
             <p:extLst>
               <p:ext uri="{386F3935-93C4-4BCD-93E2-E3B085C9AB24}">
-                <p16:designElem xmlns="" xmlns:p16="http://schemas.microsoft.com/office/powerpoint/2015/main" val="1"/>
+                <p16:designElem xmlns:p16="http://schemas.microsoft.com/office/powerpoint/2015/main" val="1"/>
               </p:ext>
             </p:extLst>
           </p:nvPr>
@@ -4998,7 +5015,7 @@
           <p:cNvPr id="13" name="Rectangle 12">
             <a:extLst>
               <a:ext uri="{FF2B5EF4-FFF2-40B4-BE49-F238E27FC236}">
-                <a16:creationId xmlns="" xmlns:a16="http://schemas.microsoft.com/office/drawing/2014/main" id="{5FE860FF-6214-458C-B8B6-840D3D4BD8AE}"/>
+                <a16:creationId xmlns:a16="http://schemas.microsoft.com/office/drawing/2014/main" xmlns="" id="{5FE860FF-6214-458C-B8B6-840D3D4BD8AE}"/>
               </a:ext>
             </a:extLst>
           </p:cNvPr>
@@ -5008,7 +5025,7 @@
           <p:nvPr>
             <p:extLst>
               <p:ext uri="{386F3935-93C4-4BCD-93E2-E3B085C9AB24}">
-                <p16:designElem xmlns="" xmlns:p16="http://schemas.microsoft.com/office/powerpoint/2015/main" val="1"/>
+                <p16:designElem xmlns:p16="http://schemas.microsoft.com/office/powerpoint/2015/main" val="1"/>
               </p:ext>
             </p:extLst>
           </p:nvPr>
@@ -5061,7 +5078,7 @@
           <p:cNvPr id="15" name="Straight Connector 14">
             <a:extLst>
               <a:ext uri="{FF2B5EF4-FFF2-40B4-BE49-F238E27FC236}">
-                <a16:creationId xmlns="" xmlns:a16="http://schemas.microsoft.com/office/drawing/2014/main" id="{6079A69E-2DBC-4FA4-8495-9B37C56A910E}"/>
+                <a16:creationId xmlns:a16="http://schemas.microsoft.com/office/drawing/2014/main" xmlns="" id="{6079A69E-2DBC-4FA4-8495-9B37C56A910E}"/>
               </a:ext>
             </a:extLst>
           </p:cNvPr>
@@ -5071,7 +5088,7 @@
           <p:nvPr>
             <p:extLst>
               <p:ext uri="{386F3935-93C4-4BCD-93E2-E3B085C9AB24}">
-                <p16:designElem xmlns="" xmlns:p16="http://schemas.microsoft.com/office/powerpoint/2015/main" val="1"/>
+                <p16:designElem xmlns:p16="http://schemas.microsoft.com/office/powerpoint/2015/main" val="1"/>
               </p:ext>
             </p:extLst>
           </p:nvPr>
@@ -5112,7 +5129,7 @@
           <p:cNvPr id="17" name="Straight Connector 16">
             <a:extLst>
               <a:ext uri="{FF2B5EF4-FFF2-40B4-BE49-F238E27FC236}">
-                <a16:creationId xmlns="" xmlns:a16="http://schemas.microsoft.com/office/drawing/2014/main" id="{0F80B1E9-A8C1-4802-BFFD-7FC81CD2112C}"/>
+                <a16:creationId xmlns:a16="http://schemas.microsoft.com/office/drawing/2014/main" xmlns="" id="{0F80B1E9-A8C1-4802-BFFD-7FC81CD2112C}"/>
               </a:ext>
             </a:extLst>
           </p:cNvPr>
@@ -5122,7 +5139,7 @@
           <p:nvPr>
             <p:extLst>
               <p:ext uri="{386F3935-93C4-4BCD-93E2-E3B085C9AB24}">
-                <p16:designElem xmlns="" xmlns:p16="http://schemas.microsoft.com/office/powerpoint/2015/main" val="1"/>
+                <p16:designElem xmlns:p16="http://schemas.microsoft.com/office/powerpoint/2015/main" val="1"/>
               </p:ext>
             </p:extLst>
           </p:nvPr>
@@ -5227,7 +5244,7 @@
           <p:cNvPr id="38" name="Freeform 34">
             <a:extLst>
               <a:ext uri="{FF2B5EF4-FFF2-40B4-BE49-F238E27FC236}">
-                <a16:creationId xmlns="" xmlns:a16="http://schemas.microsoft.com/office/drawing/2014/main" id="{B0992639-1CDA-4FE6-BB95-E13221490740}"/>
+                <a16:creationId xmlns:a16="http://schemas.microsoft.com/office/drawing/2014/main" xmlns="" id="{B0992639-1CDA-4FE6-BB95-E13221490740}"/>
               </a:ext>
             </a:extLst>
           </p:cNvPr>
@@ -5237,7 +5254,7 @@
           <p:nvPr>
             <p:extLst>
               <p:ext uri="{386F3935-93C4-4BCD-93E2-E3B085C9AB24}">
-                <p16:designElem xmlns="" xmlns:p16="http://schemas.microsoft.com/office/powerpoint/2015/main" val="1"/>
+                <p16:designElem xmlns:p16="http://schemas.microsoft.com/office/powerpoint/2015/main" val="1"/>
               </p:ext>
             </p:extLst>
           </p:nvPr>
@@ -5350,7 +5367,7 @@
           <p:cNvPr id="40" name="Freeform 31">
             <a:extLst>
               <a:ext uri="{FF2B5EF4-FFF2-40B4-BE49-F238E27FC236}">
-                <a16:creationId xmlns="" xmlns:a16="http://schemas.microsoft.com/office/drawing/2014/main" id="{A2AEA782-0EA4-42E9-871D-7401D6A09739}"/>
+                <a16:creationId xmlns:a16="http://schemas.microsoft.com/office/drawing/2014/main" xmlns="" id="{A2AEA782-0EA4-42E9-871D-7401D6A09739}"/>
               </a:ext>
             </a:extLst>
           </p:cNvPr>
@@ -5360,7 +5377,7 @@
           <p:nvPr>
             <p:extLst>
               <p:ext uri="{386F3935-93C4-4BCD-93E2-E3B085C9AB24}">
-                <p16:designElem xmlns="" xmlns:p16="http://schemas.microsoft.com/office/powerpoint/2015/main" val="1"/>
+                <p16:designElem xmlns:p16="http://schemas.microsoft.com/office/powerpoint/2015/main" val="1"/>
               </p:ext>
             </p:extLst>
           </p:nvPr>
@@ -5774,7 +5791,7 @@
           <p:nvPr>
             <p:extLst>
               <p:ext uri="{386F3935-93C4-4BCD-93E2-E3B085C9AB24}">
-                <p16:designElem xmlns="" xmlns:p16="http://schemas.microsoft.com/office/powerpoint/2015/main" val="1"/>
+                <p16:designElem xmlns:p16="http://schemas.microsoft.com/office/powerpoint/2015/main" val="1"/>
               </p:ext>
             </p:extLst>
           </p:nvPr>
@@ -5827,7 +5844,7 @@
           <p:cNvPr id="17" name="Down Arrow 7">
             <a:extLst>
               <a:ext uri="{FF2B5EF4-FFF2-40B4-BE49-F238E27FC236}">
-                <a16:creationId xmlns="" xmlns:a16="http://schemas.microsoft.com/office/drawing/2014/main" id="{D4771268-CB57-404A-9271-370EB28F6090}"/>
+                <a16:creationId xmlns:a16="http://schemas.microsoft.com/office/drawing/2014/main" xmlns="" id="{D4771268-CB57-404A-9271-370EB28F6090}"/>
               </a:ext>
             </a:extLst>
           </p:cNvPr>
@@ -5837,7 +5854,7 @@
           <p:nvPr>
             <p:extLst>
               <p:ext uri="{386F3935-93C4-4BCD-93E2-E3B085C9AB24}">
-                <p16:designElem xmlns="" xmlns:p16="http://schemas.microsoft.com/office/powerpoint/2015/main" val="1"/>
+                <p16:designElem xmlns:p16="http://schemas.microsoft.com/office/powerpoint/2015/main" val="1"/>
               </p:ext>
             </p:extLst>
           </p:nvPr>
@@ -5970,7 +5987,7 @@
           <p:nvPr>
             <p:extLst>
               <p:ext uri="{386F3935-93C4-4BCD-93E2-E3B085C9AB24}">
-                <p16:designElem xmlns="" xmlns:p16="http://schemas.microsoft.com/office/powerpoint/2015/main" val="1"/>
+                <p16:designElem xmlns:p16="http://schemas.microsoft.com/office/powerpoint/2015/main" val="1"/>
               </p:ext>
             </p:extLst>
           </p:nvPr>
@@ -6023,7 +6040,7 @@
           <p:cNvPr id="17" name="Down Arrow 7">
             <a:extLst>
               <a:ext uri="{FF2B5EF4-FFF2-40B4-BE49-F238E27FC236}">
-                <a16:creationId xmlns="" xmlns:a16="http://schemas.microsoft.com/office/drawing/2014/main" id="{D4771268-CB57-404A-9271-370EB28F6090}"/>
+                <a16:creationId xmlns:a16="http://schemas.microsoft.com/office/drawing/2014/main" xmlns="" id="{D4771268-CB57-404A-9271-370EB28F6090}"/>
               </a:ext>
             </a:extLst>
           </p:cNvPr>
@@ -6033,7 +6050,7 @@
           <p:nvPr>
             <p:extLst>
               <p:ext uri="{386F3935-93C4-4BCD-93E2-E3B085C9AB24}">
-                <p16:designElem xmlns="" xmlns:p16="http://schemas.microsoft.com/office/powerpoint/2015/main" val="1"/>
+                <p16:designElem xmlns:p16="http://schemas.microsoft.com/office/powerpoint/2015/main" val="1"/>
               </p:ext>
             </p:extLst>
           </p:nvPr>
@@ -6166,7 +6183,7 @@
           <p:nvPr>
             <p:extLst>
               <p:ext uri="{386F3935-93C4-4BCD-93E2-E3B085C9AB24}">
-                <p16:designElem xmlns="" xmlns:p16="http://schemas.microsoft.com/office/powerpoint/2015/main" val="1"/>
+                <p16:designElem xmlns:p16="http://schemas.microsoft.com/office/powerpoint/2015/main" val="1"/>
               </p:ext>
             </p:extLst>
           </p:nvPr>
@@ -6219,7 +6236,7 @@
           <p:cNvPr id="24" name="Down Arrow 7">
             <a:extLst>
               <a:ext uri="{FF2B5EF4-FFF2-40B4-BE49-F238E27FC236}">
-                <a16:creationId xmlns="" xmlns:a16="http://schemas.microsoft.com/office/drawing/2014/main" id="{D4771268-CB57-404A-9271-370EB28F6090}"/>
+                <a16:creationId xmlns:a16="http://schemas.microsoft.com/office/drawing/2014/main" xmlns="" id="{D4771268-CB57-404A-9271-370EB28F6090}"/>
               </a:ext>
             </a:extLst>
           </p:cNvPr>
@@ -6229,7 +6246,7 @@
           <p:nvPr>
             <p:extLst>
               <p:ext uri="{386F3935-93C4-4BCD-93E2-E3B085C9AB24}">
-                <p16:designElem xmlns="" xmlns:p16="http://schemas.microsoft.com/office/powerpoint/2015/main" val="1"/>
+                <p16:designElem xmlns:p16="http://schemas.microsoft.com/office/powerpoint/2015/main" val="1"/>
               </p:ext>
             </p:extLst>
           </p:nvPr>
@@ -6354,7 +6371,7 @@
           <p:nvPr>
             <p:extLst>
               <p:ext uri="{386F3935-93C4-4BCD-93E2-E3B085C9AB24}">
-                <p16:designElem xmlns="" xmlns:p16="http://schemas.microsoft.com/office/powerpoint/2015/main" val="1"/>
+                <p16:designElem xmlns:p16="http://schemas.microsoft.com/office/powerpoint/2015/main" val="1"/>
               </p:ext>
             </p:extLst>
           </p:nvPr>
@@ -6407,7 +6424,7 @@
           <p:cNvPr id="24" name="Down Arrow 7">
             <a:extLst>
               <a:ext uri="{FF2B5EF4-FFF2-40B4-BE49-F238E27FC236}">
-                <a16:creationId xmlns="" xmlns:a16="http://schemas.microsoft.com/office/drawing/2014/main" id="{D4771268-CB57-404A-9271-370EB28F6090}"/>
+                <a16:creationId xmlns:a16="http://schemas.microsoft.com/office/drawing/2014/main" xmlns="" id="{D4771268-CB57-404A-9271-370EB28F6090}"/>
               </a:ext>
             </a:extLst>
           </p:cNvPr>
@@ -6417,7 +6434,7 @@
           <p:nvPr>
             <p:extLst>
               <p:ext uri="{386F3935-93C4-4BCD-93E2-E3B085C9AB24}">
-                <p16:designElem xmlns="" xmlns:p16="http://schemas.microsoft.com/office/powerpoint/2015/main" val="1"/>
+                <p16:designElem xmlns:p16="http://schemas.microsoft.com/office/powerpoint/2015/main" val="1"/>
               </p:ext>
             </p:extLst>
           </p:nvPr>
@@ -6542,7 +6559,7 @@
           <p:nvPr>
             <p:extLst>
               <p:ext uri="{386F3935-93C4-4BCD-93E2-E3B085C9AB24}">
-                <p16:designElem xmlns="" xmlns:p16="http://schemas.microsoft.com/office/powerpoint/2015/main" val="1"/>
+                <p16:designElem xmlns:p16="http://schemas.microsoft.com/office/powerpoint/2015/main" val="1"/>
               </p:ext>
             </p:extLst>
           </p:nvPr>
@@ -6595,7 +6612,7 @@
           <p:cNvPr id="31" name="Down Arrow 7">
             <a:extLst>
               <a:ext uri="{FF2B5EF4-FFF2-40B4-BE49-F238E27FC236}">
-                <a16:creationId xmlns="" xmlns:a16="http://schemas.microsoft.com/office/drawing/2014/main" id="{D4771268-CB57-404A-9271-370EB28F6090}"/>
+                <a16:creationId xmlns:a16="http://schemas.microsoft.com/office/drawing/2014/main" xmlns="" id="{D4771268-CB57-404A-9271-370EB28F6090}"/>
               </a:ext>
             </a:extLst>
           </p:cNvPr>
@@ -6605,7 +6622,7 @@
           <p:nvPr>
             <p:extLst>
               <p:ext uri="{386F3935-93C4-4BCD-93E2-E3B085C9AB24}">
-                <p16:designElem xmlns="" xmlns:p16="http://schemas.microsoft.com/office/powerpoint/2015/main" val="1"/>
+                <p16:designElem xmlns:p16="http://schemas.microsoft.com/office/powerpoint/2015/main" val="1"/>
               </p:ext>
             </p:extLst>
           </p:nvPr>
@@ -7360,7 +7377,7 @@
   <a:extraClrSchemeLst/>
   <a:extLst>
     <a:ext uri="{05A4C25C-085E-4340-85A3-A5531E510DB2}">
-      <thm15:themeFamily xmlns="" xmlns:thm15="http://schemas.microsoft.com/office/thememl/2012/main" name="Office Theme" id="{62F939B6-93AF-4DB8-9C6B-D6C7DFDC589F}" vid="{4A3C46E8-61CC-4603-A589-7422A47A8E4A}"/>
+      <thm15:themeFamily xmlns:thm15="http://schemas.microsoft.com/office/thememl/2012/main" name="Office Theme" id="{62F939B6-93AF-4DB8-9C6B-D6C7DFDC589F}" vid="{4A3C46E8-61CC-4603-A589-7422A47A8E4A}"/>
     </a:ext>
   </a:extLst>
 </a:theme>
@@ -7655,7 +7672,7 @@
   <a:extraClrSchemeLst/>
   <a:extLst>
     <a:ext uri="{05A4C25C-085E-4340-85A3-A5531E510DB2}">
-      <thm15:themeFamily xmlns="" xmlns:thm15="http://schemas.microsoft.com/office/thememl/2012/main" name="Office Theme" id="{62F939B6-93AF-4DB8-9C6B-D6C7DFDC589F}" vid="{4A3C46E8-61CC-4603-A589-7422A47A8E4A}"/>
+      <thm15:themeFamily xmlns:thm15="http://schemas.microsoft.com/office/thememl/2012/main" name="Office Theme" id="{62F939B6-93AF-4DB8-9C6B-D6C7DFDC589F}" vid="{4A3C46E8-61CC-4603-A589-7422A47A8E4A}"/>
     </a:ext>
   </a:extLst>
 </a:theme>

--- a/Zwischenvortrag/Zwischenpraesentation.pptx
+++ b/Zwischenvortrag/Zwischenpraesentation.pptx
@@ -120,7 +120,7 @@
   </p:defaultTextStyle>
   <p:extLst>
     <p:ext uri="{EFAFB233-063F-42B5-8137-9DF3F51BA10A}">
-      <p15:sldGuideLst xmlns:p15="http://schemas.microsoft.com/office/powerpoint/2012/main">
+      <p15:sldGuideLst xmlns:p15="http://schemas.microsoft.com/office/powerpoint/2012/main" xmlns="">
         <p15:guide id="1" orient="horz" pos="2160">
           <p15:clr>
             <a:srgbClr val="A4A3A4"/>
@@ -219,7 +219,7 @@
           <a:p>
             <a:fld id="{683D44F8-09BE-4E2C-8664-003F66647BE5}" type="datetimeFigureOut">
               <a:rPr lang="de-DE"/>
-              <a:t>20.09.17</a:t>
+              <a:t>21.09.2017</a:t>
             </a:fld>
             <a:endParaRPr lang="de-DE"/>
           </a:p>
@@ -377,7 +377,7 @@
           <a:p>
             <a:fld id="{70C89F93-C877-43F9-9B16-5344F31BB83F}" type="slidenum">
               <a:rPr lang="de-DE"/>
-              <a:t>‹#›</a:t>
+              <a:t>‹Nr.›</a:t>
             </a:fld>
             <a:endParaRPr lang="de-DE"/>
           </a:p>
@@ -570,6 +570,144 @@
 </p:notes>
 </file>
 
+<file path=ppt/notesSlides/notesSlide10.xml><?xml version="1.0" encoding="utf-8"?>
+<p:notes xmlns:a="http://schemas.openxmlformats.org/drawingml/2006/main" xmlns:r="http://schemas.openxmlformats.org/officeDocument/2006/relationships" xmlns:p="http://schemas.openxmlformats.org/presentationml/2006/main">
+  <p:cSld>
+    <p:spTree>
+      <p:nvGrpSpPr>
+        <p:cNvPr id="1" name=""/>
+        <p:cNvGrpSpPr/>
+        <p:nvPr/>
+      </p:nvGrpSpPr>
+      <p:grpSpPr>
+        <a:xfrm>
+          <a:off x="0" y="0"/>
+          <a:ext cx="0" cy="0"/>
+          <a:chOff x="0" y="0"/>
+          <a:chExt cx="0" cy="0"/>
+        </a:xfrm>
+      </p:grpSpPr>
+      <p:sp>
+        <p:nvSpPr>
+          <p:cNvPr id="2" name="Folienbildplatzhalter 1"/>
+          <p:cNvSpPr>
+            <a:spLocks noGrp="1" noRot="1" noChangeAspect="1"/>
+          </p:cNvSpPr>
+          <p:nvPr>
+            <p:ph type="sldImg"/>
+          </p:nvPr>
+        </p:nvSpPr>
+        <p:spPr/>
+      </p:sp>
+      <p:sp>
+        <p:nvSpPr>
+          <p:cNvPr id="3" name="Notizenplatzhalter 2"/>
+          <p:cNvSpPr>
+            <a:spLocks noGrp="1"/>
+          </p:cNvSpPr>
+          <p:nvPr>
+            <p:ph type="body" idx="1"/>
+          </p:nvPr>
+        </p:nvSpPr>
+        <p:spPr/>
+        <p:txBody>
+          <a:bodyPr/>
+          <a:lstStyle/>
+          <a:p>
+            <a:r>
+              <a:rPr lang="de-DE" dirty="0"/>
+              <a:t>- mehrere </a:t>
+            </a:r>
+            <a:r>
+              <a:rPr lang="en-GB" dirty="0"/>
+              <a:t>Repositories </a:t>
+            </a:r>
+            <a:r>
+              <a:rPr lang="de-DE" dirty="0"/>
+              <a:t>(wir Doku, Software, Hardware) -&gt; mit eigener Aufgabenverwaltung, eigenes Board, eigenes Wiki</a:t>
+            </a:r>
+          </a:p>
+          <a:p>
+            <a:r>
+              <a:rPr lang="de-DE" dirty="0"/>
+              <a:t>- mehrere Teams (wir Software, Hardware) -&gt; mit mehrere </a:t>
+            </a:r>
+            <a:r>
+              <a:rPr lang="en-GB" dirty="0"/>
+              <a:t>Repositories -&gt; </a:t>
+            </a:r>
+            <a:r>
+              <a:rPr lang="de-DE" dirty="0"/>
+              <a:t>mit eigener Aufgabenverwaltung, eigenes Board, eigenes Wiki</a:t>
+            </a:r>
+          </a:p>
+          <a:p>
+            <a:r>
+              <a:rPr lang="de-DE" dirty="0"/>
+              <a:t>Rollen: Hardware: Martin, Matze, Fabian || Software: </a:t>
+            </a:r>
+            <a:r>
+              <a:rPr lang="de-DE" dirty="0" err="1"/>
+              <a:t>Miklas</a:t>
+            </a:r>
+            <a:r>
+              <a:rPr lang="de-DE" dirty="0"/>
+              <a:t>, Fabian, David || Organisatorisches: </a:t>
+            </a:r>
+            <a:r>
+              <a:rPr lang="de-DE" dirty="0" smtClean="0"/>
+              <a:t>David</a:t>
+            </a:r>
+          </a:p>
+          <a:p>
+            <a:r>
+              <a:rPr lang="de-DE" dirty="0" smtClean="0"/>
+              <a:t>Agile</a:t>
+            </a:r>
+            <a:r>
+              <a:rPr lang="de-DE" baseline="0" dirty="0" smtClean="0"/>
+              <a:t> Methoden konnten noch nicht genutzt werden, da noch nicht in der Implementierungsphase</a:t>
+            </a:r>
+            <a:endParaRPr lang="de-DE" dirty="0"/>
+          </a:p>
+        </p:txBody>
+      </p:sp>
+      <p:sp>
+        <p:nvSpPr>
+          <p:cNvPr id="4" name="Foliennummernplatzhalter 3"/>
+          <p:cNvSpPr>
+            <a:spLocks noGrp="1"/>
+          </p:cNvSpPr>
+          <p:nvPr>
+            <p:ph type="sldNum" sz="quarter" idx="10"/>
+          </p:nvPr>
+        </p:nvSpPr>
+        <p:spPr/>
+        <p:txBody>
+          <a:bodyPr/>
+          <a:lstStyle/>
+          <a:p>
+            <a:fld id="{70C89F93-C877-43F9-9B16-5344F31BB83F}" type="slidenum">
+              <a:rPr lang="de-DE"/>
+              <a:t>11</a:t>
+            </a:fld>
+            <a:endParaRPr lang="de-DE"/>
+          </a:p>
+        </p:txBody>
+      </p:sp>
+    </p:spTree>
+    <p:extLst>
+      <p:ext uri="{BB962C8B-B14F-4D97-AF65-F5344CB8AC3E}">
+        <p14:creationId xmlns:p14="http://schemas.microsoft.com/office/powerpoint/2010/main" val="1161232788"/>
+      </p:ext>
+    </p:extLst>
+  </p:cSld>
+  <p:clrMapOvr>
+    <a:masterClrMapping/>
+  </p:clrMapOvr>
+</p:notes>
+</file>
+
 <file path=ppt/notesSlides/notesSlide2.xml><?xml version="1.0" encoding="utf-8"?>
 <p:notes xmlns:a="http://schemas.openxmlformats.org/drawingml/2006/main" xmlns:r="http://schemas.openxmlformats.org/officeDocument/2006/relationships" xmlns:p="http://schemas.openxmlformats.org/presentationml/2006/main">
   <p:cSld>
@@ -616,7 +754,22 @@
           <a:p>
             <a:r>
               <a:rPr lang="de-DE" dirty="0" smtClean="0"/>
-              <a:t>Gespräch zwischen Tierparkdirektor (Dr. </a:t>
+              <a:t>Wie sieht es aktuell</a:t>
+            </a:r>
+            <a:r>
+              <a:rPr lang="de-DE" baseline="0" dirty="0" smtClean="0"/>
+              <a:t> aus?</a:t>
+            </a:r>
+            <a:endParaRPr lang="de-DE" dirty="0" smtClean="0"/>
+          </a:p>
+          <a:p>
+            <a:r>
+              <a:rPr lang="de-DE" dirty="0" smtClean="0"/>
+              <a:t>Gespräch </a:t>
+            </a:r>
+            <a:r>
+              <a:rPr lang="de-DE" dirty="0" smtClean="0"/>
+              <a:t>zwischen Tierparkdirektor (Dr. </a:t>
             </a:r>
             <a:r>
               <a:rPr lang="de-DE" dirty="0" err="1" smtClean="0"/>
@@ -681,22 +834,36 @@
           <a:p>
             <a:r>
               <a:rPr lang="de-DE" baseline="0" dirty="0" smtClean="0"/>
-              <a:t>=&gt; </a:t>
-            </a:r>
-            <a:r>
-              <a:rPr lang="de-DE" baseline="0" smtClean="0"/>
-              <a:t>HWR: Steigerung </a:t>
-            </a:r>
-            <a:r>
-              <a:rPr lang="de-DE" baseline="0" dirty="0" smtClean="0"/>
-              <a:t>der Campusattraktivität</a:t>
+              <a:t>=&gt; HWR: Steigerung der Campusattraktivität</a:t>
             </a:r>
             <a:endParaRPr lang="de-DE" dirty="0" smtClean="0"/>
           </a:p>
           <a:p>
+            <a:pPr marL="171450" indent="-171450">
+              <a:buFont typeface="Symbol"/>
+              <a:buChar char="Þ"/>
+            </a:pPr>
             <a:r>
               <a:rPr lang="de-DE" dirty="0" smtClean="0"/>
-              <a:t>=&gt; Tierpark: Besuchergewinnung</a:t>
+              <a:t>Tierpark</a:t>
+            </a:r>
+            <a:r>
+              <a:rPr lang="de-DE" dirty="0" smtClean="0"/>
+              <a:t>: </a:t>
+            </a:r>
+            <a:r>
+              <a:rPr lang="de-DE" dirty="0" smtClean="0"/>
+              <a:t>Besuchergewinnung</a:t>
+            </a:r>
+          </a:p>
+          <a:p>
+            <a:pPr marL="0" indent="0">
+              <a:buFont typeface="Symbol"/>
+              <a:buNone/>
+            </a:pPr>
+            <a:r>
+              <a:rPr lang="de-DE" dirty="0" smtClean="0"/>
+              <a:t>Ziel?</a:t>
             </a:r>
             <a:endParaRPr lang="de-DE" dirty="0"/>
           </a:p>
@@ -783,31 +950,41 @@
           <a:lstStyle/>
           <a:p>
             <a:r>
-              <a:rPr lang="de-DE"/>
-              <a:t>Vorteile:</a:t>
-            </a:r>
-          </a:p>
-          <a:p>
-            <a:r>
-              <a:rPr lang="de-DE"/>
+              <a:rPr lang="de-DE" dirty="0" smtClean="0"/>
+              <a:t>Orientierung an U-Bahn London</a:t>
+            </a:r>
+          </a:p>
+          <a:p>
+            <a:r>
+              <a:rPr lang="de-DE" dirty="0" smtClean="0"/>
+              <a:t>Vorteile</a:t>
+            </a:r>
+            <a:r>
+              <a:rPr lang="de-DE" dirty="0"/>
+              <a:t>:</a:t>
+            </a:r>
+          </a:p>
+          <a:p>
+            <a:r>
+              <a:rPr lang="de-DE" dirty="0"/>
               <a:t>unkomplizierte Entwicklung||einfache Anwendung für Nutzer</a:t>
             </a:r>
           </a:p>
           <a:p>
             <a:r>
-              <a:rPr lang="de-DE"/>
+              <a:rPr lang="de-DE" dirty="0"/>
               <a:t>Nachteile:</a:t>
             </a:r>
           </a:p>
           <a:p>
             <a:r>
-              <a:rPr lang="de-DE"/>
+              <a:rPr lang="de-DE" dirty="0"/>
               <a:t>Karten gehen leicht verloren||Karte kann weitergegeben werden</a:t>
             </a:r>
           </a:p>
           <a:p>
             <a:r>
-              <a:rPr lang="de-DE"/>
+              <a:rPr lang="de-DE" dirty="0"/>
               <a:t>Weitere Überlegung:  das gleiche mit Personalausweisnummer</a:t>
             </a:r>
           </a:p>
@@ -894,13 +1071,29 @@
           <a:lstStyle/>
           <a:p>
             <a:r>
-              <a:rPr lang="de-DE"/>
+              <a:rPr lang="de-DE" dirty="0"/>
               <a:t>Erweiterung des ursprünglichen </a:t>
             </a:r>
             <a:r>
-              <a:rPr lang="de-DE" err="1"/>
+              <a:rPr lang="de-DE" dirty="0" err="1" smtClean="0"/>
               <a:t>Checkings</a:t>
             </a:r>
+            <a:endParaRPr lang="de-DE" dirty="0" smtClean="0"/>
+          </a:p>
+          <a:p>
+            <a:r>
+              <a:rPr lang="de-DE" dirty="0" smtClean="0"/>
+              <a:t>Warum noch</a:t>
+            </a:r>
+            <a:r>
+              <a:rPr lang="de-DE" baseline="0" dirty="0" smtClean="0"/>
+              <a:t> </a:t>
+            </a:r>
+            <a:r>
+              <a:rPr lang="de-DE" baseline="0" smtClean="0"/>
+              <a:t>nirgends verwendet?</a:t>
+            </a:r>
+            <a:endParaRPr lang="de-DE" err="1"/>
           </a:p>
         </p:txBody>
       </p:sp>
@@ -1463,58 +1656,32 @@
           <a:lstStyle/>
           <a:p>
             <a:r>
-              <a:rPr lang="de-DE" dirty="0"/>
-              <a:t>- mehrere </a:t>
-            </a:r>
-            <a:r>
-              <a:rPr lang="en-GB" dirty="0"/>
-              <a:t>Repositories </a:t>
-            </a:r>
-            <a:r>
-              <a:rPr lang="de-DE" dirty="0"/>
-              <a:t>(wir Doku, Software, Hardware) -&gt; mit eigener Aufgabenverwaltung, eigenes Board, eigenes Wiki</a:t>
-            </a:r>
-          </a:p>
-          <a:p>
-            <a:r>
-              <a:rPr lang="de-DE" dirty="0"/>
-              <a:t>- mehrere Teams (wir Software, Hardware) -&gt; mit mehrere </a:t>
-            </a:r>
-            <a:r>
-              <a:rPr lang="en-GB" dirty="0"/>
-              <a:t>Repositories -&gt; </a:t>
-            </a:r>
-            <a:r>
-              <a:rPr lang="de-DE" dirty="0"/>
-              <a:t>mit eigener Aufgabenverwaltung, eigenes Board, eigenes Wiki</a:t>
-            </a:r>
-          </a:p>
-          <a:p>
-            <a:r>
-              <a:rPr lang="de-DE" dirty="0"/>
-              <a:t>Rollen: Hardware: Martin, Matze, Fabian || Software: </a:t>
-            </a:r>
-            <a:r>
-              <a:rPr lang="de-DE" dirty="0" err="1"/>
-              <a:t>Miklas</a:t>
-            </a:r>
-            <a:r>
-              <a:rPr lang="de-DE" dirty="0"/>
-              <a:t>, Fabian, David || Organisatorisches: </a:t>
-            </a:r>
-            <a:r>
               <a:rPr lang="de-DE" dirty="0" smtClean="0"/>
-              <a:t>David</a:t>
-            </a:r>
-          </a:p>
-          <a:p>
-            <a:r>
-              <a:rPr lang="de-DE" dirty="0" smtClean="0"/>
-              <a:t>Agile</a:t>
+              <a:t>Server,</a:t>
             </a:r>
             <a:r>
               <a:rPr lang="de-DE" baseline="0" dirty="0" smtClean="0"/>
-              <a:t> Methoden konnten noch nicht genutzt werden, da noch nicht in der Implementierungsphase</a:t>
+              <a:t> weil…</a:t>
+            </a:r>
+          </a:p>
+          <a:p>
+            <a:pPr marL="171450" indent="-171450">
+              <a:buFontTx/>
+              <a:buChar char="-"/>
+            </a:pPr>
+            <a:r>
+              <a:rPr lang="de-DE" baseline="0" dirty="0" smtClean="0"/>
+              <a:t>keine neuen Karten benötigt</a:t>
+            </a:r>
+          </a:p>
+          <a:p>
+            <a:pPr marL="171450" indent="-171450">
+              <a:buFontTx/>
+              <a:buChar char="-"/>
+            </a:pPr>
+            <a:r>
+              <a:rPr lang="de-DE" baseline="0" dirty="0" smtClean="0"/>
+              <a:t>für Prototypen erstmal leichter</a:t>
             </a:r>
             <a:endParaRPr lang="de-DE" dirty="0"/>
           </a:p>
@@ -1536,8 +1703,8 @@
           <a:lstStyle/>
           <a:p>
             <a:fld id="{70C89F93-C877-43F9-9B16-5344F31BB83F}" type="slidenum">
-              <a:rPr lang="de-DE"/>
-              <a:t>11</a:t>
+              <a:rPr lang="de-DE" smtClean="0"/>
+              <a:t>9</a:t>
             </a:fld>
             <a:endParaRPr lang="de-DE"/>
           </a:p>
@@ -1546,7 +1713,7 @@
     </p:spTree>
     <p:extLst>
       <p:ext uri="{BB962C8B-B14F-4D97-AF65-F5344CB8AC3E}">
-        <p14:creationId xmlns:p14="http://schemas.microsoft.com/office/powerpoint/2010/main" val="1161232788"/>
+        <p14:creationId xmlns:p14="http://schemas.microsoft.com/office/powerpoint/2010/main" val="4166780715"/>
       </p:ext>
     </p:extLst>
   </p:cSld>
@@ -1685,7 +1852,7 @@
           <a:p>
             <a:fld id="{D3EB3054-B75A-4BD7-8B3E-8DC0F614FAF3}" type="datetimeFigureOut">
               <a:rPr lang="de-DE" smtClean="0"/>
-              <a:t>20.09.17</a:t>
+              <a:t>21.09.2017</a:t>
             </a:fld>
             <a:endParaRPr lang="de-DE"/>
           </a:p>
@@ -1727,7 +1894,7 @@
           <a:p>
             <a:fld id="{802006FE-6571-4354-8775-F8708372C227}" type="slidenum">
               <a:rPr lang="de-DE" smtClean="0"/>
-              <a:t>‹#›</a:t>
+              <a:t>‹Nr.›</a:t>
             </a:fld>
             <a:endParaRPr lang="de-DE"/>
           </a:p>
@@ -1853,7 +2020,7 @@
           <a:p>
             <a:fld id="{D3EB3054-B75A-4BD7-8B3E-8DC0F614FAF3}" type="datetimeFigureOut">
               <a:rPr lang="de-DE" smtClean="0"/>
-              <a:t>20.09.17</a:t>
+              <a:t>21.09.2017</a:t>
             </a:fld>
             <a:endParaRPr lang="de-DE"/>
           </a:p>
@@ -1895,7 +2062,7 @@
           <a:p>
             <a:fld id="{802006FE-6571-4354-8775-F8708372C227}" type="slidenum">
               <a:rPr lang="de-DE" smtClean="0"/>
-              <a:t>‹#›</a:t>
+              <a:t>‹Nr.›</a:t>
             </a:fld>
             <a:endParaRPr lang="de-DE"/>
           </a:p>
@@ -2031,7 +2198,7 @@
           <a:p>
             <a:fld id="{D3EB3054-B75A-4BD7-8B3E-8DC0F614FAF3}" type="datetimeFigureOut">
               <a:rPr lang="de-DE" smtClean="0"/>
-              <a:t>20.09.17</a:t>
+              <a:t>21.09.2017</a:t>
             </a:fld>
             <a:endParaRPr lang="de-DE"/>
           </a:p>
@@ -2073,7 +2240,7 @@
           <a:p>
             <a:fld id="{802006FE-6571-4354-8775-F8708372C227}" type="slidenum">
               <a:rPr lang="de-DE" smtClean="0"/>
-              <a:t>‹#›</a:t>
+              <a:t>‹Nr.›</a:t>
             </a:fld>
             <a:endParaRPr lang="de-DE"/>
           </a:p>
@@ -2199,7 +2366,7 @@
           <a:p>
             <a:fld id="{D3EB3054-B75A-4BD7-8B3E-8DC0F614FAF3}" type="datetimeFigureOut">
               <a:rPr lang="de-DE" smtClean="0"/>
-              <a:t>20.09.17</a:t>
+              <a:t>21.09.2017</a:t>
             </a:fld>
             <a:endParaRPr lang="de-DE"/>
           </a:p>
@@ -2241,7 +2408,7 @@
           <a:p>
             <a:fld id="{802006FE-6571-4354-8775-F8708372C227}" type="slidenum">
               <a:rPr lang="de-DE" smtClean="0"/>
-              <a:t>‹#›</a:t>
+              <a:t>‹Nr.›</a:t>
             </a:fld>
             <a:endParaRPr lang="de-DE"/>
           </a:p>
@@ -2444,7 +2611,7 @@
           <a:p>
             <a:fld id="{D3EB3054-B75A-4BD7-8B3E-8DC0F614FAF3}" type="datetimeFigureOut">
               <a:rPr lang="de-DE" smtClean="0"/>
-              <a:t>20.09.17</a:t>
+              <a:t>21.09.2017</a:t>
             </a:fld>
             <a:endParaRPr lang="de-DE"/>
           </a:p>
@@ -2486,7 +2653,7 @@
           <a:p>
             <a:fld id="{802006FE-6571-4354-8775-F8708372C227}" type="slidenum">
               <a:rPr lang="de-DE" smtClean="0"/>
-              <a:t>‹#›</a:t>
+              <a:t>‹Nr.›</a:t>
             </a:fld>
             <a:endParaRPr lang="de-DE"/>
           </a:p>
@@ -2673,7 +2840,7 @@
           <a:p>
             <a:fld id="{D3EB3054-B75A-4BD7-8B3E-8DC0F614FAF3}" type="datetimeFigureOut">
               <a:rPr lang="de-DE" smtClean="0"/>
-              <a:t>20.09.17</a:t>
+              <a:t>21.09.2017</a:t>
             </a:fld>
             <a:endParaRPr lang="de-DE"/>
           </a:p>
@@ -2715,7 +2882,7 @@
           <a:p>
             <a:fld id="{802006FE-6571-4354-8775-F8708372C227}" type="slidenum">
               <a:rPr lang="de-DE" smtClean="0"/>
-              <a:t>‹#›</a:t>
+              <a:t>‹Nr.›</a:t>
             </a:fld>
             <a:endParaRPr lang="de-DE"/>
           </a:p>
@@ -3037,7 +3204,7 @@
           <a:p>
             <a:fld id="{D3EB3054-B75A-4BD7-8B3E-8DC0F614FAF3}" type="datetimeFigureOut">
               <a:rPr lang="de-DE" smtClean="0"/>
-              <a:t>20.09.17</a:t>
+              <a:t>21.09.2017</a:t>
             </a:fld>
             <a:endParaRPr lang="de-DE"/>
           </a:p>
@@ -3079,7 +3246,7 @@
           <a:p>
             <a:fld id="{802006FE-6571-4354-8775-F8708372C227}" type="slidenum">
               <a:rPr lang="de-DE" smtClean="0"/>
-              <a:t>‹#›</a:t>
+              <a:t>‹Nr.›</a:t>
             </a:fld>
             <a:endParaRPr lang="de-DE"/>
           </a:p>
@@ -3154,7 +3321,7 @@
           <a:p>
             <a:fld id="{D3EB3054-B75A-4BD7-8B3E-8DC0F614FAF3}" type="datetimeFigureOut">
               <a:rPr lang="de-DE" smtClean="0"/>
-              <a:t>20.09.17</a:t>
+              <a:t>21.09.2017</a:t>
             </a:fld>
             <a:endParaRPr lang="de-DE"/>
           </a:p>
@@ -3196,7 +3363,7 @@
           <a:p>
             <a:fld id="{802006FE-6571-4354-8775-F8708372C227}" type="slidenum">
               <a:rPr lang="de-DE" smtClean="0"/>
-              <a:t>‹#›</a:t>
+              <a:t>‹Nr.›</a:t>
             </a:fld>
             <a:endParaRPr lang="de-DE"/>
           </a:p>
@@ -3249,7 +3416,7 @@
           <a:p>
             <a:fld id="{D3EB3054-B75A-4BD7-8B3E-8DC0F614FAF3}" type="datetimeFigureOut">
               <a:rPr lang="de-DE" smtClean="0"/>
-              <a:t>20.09.17</a:t>
+              <a:t>21.09.2017</a:t>
             </a:fld>
             <a:endParaRPr lang="de-DE"/>
           </a:p>
@@ -3291,7 +3458,7 @@
           <a:p>
             <a:fld id="{802006FE-6571-4354-8775-F8708372C227}" type="slidenum">
               <a:rPr lang="de-DE" smtClean="0"/>
-              <a:t>‹#›</a:t>
+              <a:t>‹Nr.›</a:t>
             </a:fld>
             <a:endParaRPr lang="de-DE"/>
           </a:p>
@@ -3524,7 +3691,7 @@
           <a:p>
             <a:fld id="{D3EB3054-B75A-4BD7-8B3E-8DC0F614FAF3}" type="datetimeFigureOut">
               <a:rPr lang="de-DE" smtClean="0"/>
-              <a:t>20.09.17</a:t>
+              <a:t>21.09.2017</a:t>
             </a:fld>
             <a:endParaRPr lang="de-DE"/>
           </a:p>
@@ -3566,7 +3733,7 @@
           <a:p>
             <a:fld id="{802006FE-6571-4354-8775-F8708372C227}" type="slidenum">
               <a:rPr lang="de-DE" smtClean="0"/>
-              <a:t>‹#›</a:t>
+              <a:t>‹Nr.›</a:t>
             </a:fld>
             <a:endParaRPr lang="de-DE"/>
           </a:p>
@@ -3776,7 +3943,7 @@
           <a:p>
             <a:fld id="{D3EB3054-B75A-4BD7-8B3E-8DC0F614FAF3}" type="datetimeFigureOut">
               <a:rPr lang="de-DE" smtClean="0"/>
-              <a:t>20.09.17</a:t>
+              <a:t>21.09.2017</a:t>
             </a:fld>
             <a:endParaRPr lang="de-DE"/>
           </a:p>
@@ -3818,7 +3985,7 @@
           <a:p>
             <a:fld id="{802006FE-6571-4354-8775-F8708372C227}" type="slidenum">
               <a:rPr lang="de-DE" smtClean="0"/>
-              <a:t>‹#›</a:t>
+              <a:t>‹Nr.›</a:t>
             </a:fld>
             <a:endParaRPr lang="de-DE"/>
           </a:p>
@@ -3987,7 +4154,7 @@
           <a:p>
             <a:fld id="{D3EB3054-B75A-4BD7-8B3E-8DC0F614FAF3}" type="datetimeFigureOut">
               <a:rPr lang="de-DE" smtClean="0"/>
-              <a:t>20.09.17</a:t>
+              <a:t>21.09.2017</a:t>
             </a:fld>
             <a:endParaRPr lang="de-DE"/>
           </a:p>
@@ -4065,7 +4232,7 @@
           <a:p>
             <a:fld id="{802006FE-6571-4354-8775-F8708372C227}" type="slidenum">
               <a:rPr lang="de-DE" smtClean="0"/>
-              <a:t>‹#›</a:t>
+              <a:t>‹Nr.›</a:t>
             </a:fld>
             <a:endParaRPr lang="de-DE"/>
           </a:p>
@@ -4445,7 +4612,7 @@
           <p:cNvPr id="11" name="Freeform 3">
             <a:extLst>
               <a:ext uri="{FF2B5EF4-FFF2-40B4-BE49-F238E27FC236}">
-                <a16:creationId xmlns:a16="http://schemas.microsoft.com/office/drawing/2014/main" xmlns="" id="{F6429F11-64E2-4420-9B0C-F3F81BF0D15B}"/>
+                <a16:creationId xmlns="" xmlns:a16="http://schemas.microsoft.com/office/drawing/2014/main" id="{F6429F11-64E2-4420-9B0C-F3F81BF0D15B}"/>
               </a:ext>
             </a:extLst>
           </p:cNvPr>
@@ -4455,7 +4622,7 @@
           <p:nvPr>
             <p:extLst>
               <p:ext uri="{386F3935-93C4-4BCD-93E2-E3B085C9AB24}">
-                <p16:designElem xmlns:p16="http://schemas.microsoft.com/office/powerpoint/2015/main" val="1"/>
+                <p16:designElem xmlns:p16="http://schemas.microsoft.com/office/powerpoint/2015/main" xmlns="" val="1"/>
               </p:ext>
             </p:extLst>
           </p:nvPr>
@@ -4610,7 +4777,7 @@
           <p:cNvPr id="13" name="Freeform 4">
             <a:extLst>
               <a:ext uri="{FF2B5EF4-FFF2-40B4-BE49-F238E27FC236}">
-                <a16:creationId xmlns:a16="http://schemas.microsoft.com/office/drawing/2014/main" xmlns="" id="{62785A07-F203-435E-8E76-BB97680C2FCA}"/>
+                <a16:creationId xmlns="" xmlns:a16="http://schemas.microsoft.com/office/drawing/2014/main" id="{62785A07-F203-435E-8E76-BB97680C2FCA}"/>
               </a:ext>
             </a:extLst>
           </p:cNvPr>
@@ -4620,7 +4787,7 @@
           <p:nvPr>
             <p:extLst>
               <p:ext uri="{386F3935-93C4-4BCD-93E2-E3B085C9AB24}">
-                <p16:designElem xmlns:p16="http://schemas.microsoft.com/office/powerpoint/2015/main" val="1"/>
+                <p16:designElem xmlns:p16="http://schemas.microsoft.com/office/powerpoint/2015/main" xmlns="" val="1"/>
               </p:ext>
             </p:extLst>
           </p:nvPr>
@@ -4963,7 +5130,7 @@
           <p:nvPr>
             <p:extLst>
               <p:ext uri="{386F3935-93C4-4BCD-93E2-E3B085C9AB24}">
-                <p16:designElem xmlns:p16="http://schemas.microsoft.com/office/powerpoint/2015/main" val="1"/>
+                <p16:designElem xmlns:p16="http://schemas.microsoft.com/office/powerpoint/2015/main" xmlns="" val="1"/>
               </p:ext>
             </p:extLst>
           </p:nvPr>
@@ -5015,7 +5182,7 @@
           <p:cNvPr id="13" name="Rectangle 12">
             <a:extLst>
               <a:ext uri="{FF2B5EF4-FFF2-40B4-BE49-F238E27FC236}">
-                <a16:creationId xmlns:a16="http://schemas.microsoft.com/office/drawing/2014/main" xmlns="" id="{5FE860FF-6214-458C-B8B6-840D3D4BD8AE}"/>
+                <a16:creationId xmlns="" xmlns:a16="http://schemas.microsoft.com/office/drawing/2014/main" id="{5FE860FF-6214-458C-B8B6-840D3D4BD8AE}"/>
               </a:ext>
             </a:extLst>
           </p:cNvPr>
@@ -5025,7 +5192,7 @@
           <p:nvPr>
             <p:extLst>
               <p:ext uri="{386F3935-93C4-4BCD-93E2-E3B085C9AB24}">
-                <p16:designElem xmlns:p16="http://schemas.microsoft.com/office/powerpoint/2015/main" val="1"/>
+                <p16:designElem xmlns:p16="http://schemas.microsoft.com/office/powerpoint/2015/main" xmlns="" val="1"/>
               </p:ext>
             </p:extLst>
           </p:nvPr>
@@ -5078,7 +5245,7 @@
           <p:cNvPr id="15" name="Straight Connector 14">
             <a:extLst>
               <a:ext uri="{FF2B5EF4-FFF2-40B4-BE49-F238E27FC236}">
-                <a16:creationId xmlns:a16="http://schemas.microsoft.com/office/drawing/2014/main" xmlns="" id="{6079A69E-2DBC-4FA4-8495-9B37C56A910E}"/>
+                <a16:creationId xmlns="" xmlns:a16="http://schemas.microsoft.com/office/drawing/2014/main" id="{6079A69E-2DBC-4FA4-8495-9B37C56A910E}"/>
               </a:ext>
             </a:extLst>
           </p:cNvPr>
@@ -5088,7 +5255,7 @@
           <p:nvPr>
             <p:extLst>
               <p:ext uri="{386F3935-93C4-4BCD-93E2-E3B085C9AB24}">
-                <p16:designElem xmlns:p16="http://schemas.microsoft.com/office/powerpoint/2015/main" val="1"/>
+                <p16:designElem xmlns:p16="http://schemas.microsoft.com/office/powerpoint/2015/main" xmlns="" val="1"/>
               </p:ext>
             </p:extLst>
           </p:nvPr>
@@ -5129,7 +5296,7 @@
           <p:cNvPr id="17" name="Straight Connector 16">
             <a:extLst>
               <a:ext uri="{FF2B5EF4-FFF2-40B4-BE49-F238E27FC236}">
-                <a16:creationId xmlns:a16="http://schemas.microsoft.com/office/drawing/2014/main" xmlns="" id="{0F80B1E9-A8C1-4802-BFFD-7FC81CD2112C}"/>
+                <a16:creationId xmlns="" xmlns:a16="http://schemas.microsoft.com/office/drawing/2014/main" id="{0F80B1E9-A8C1-4802-BFFD-7FC81CD2112C}"/>
               </a:ext>
             </a:extLst>
           </p:cNvPr>
@@ -5139,7 +5306,7 @@
           <p:nvPr>
             <p:extLst>
               <p:ext uri="{386F3935-93C4-4BCD-93E2-E3B085C9AB24}">
-                <p16:designElem xmlns:p16="http://schemas.microsoft.com/office/powerpoint/2015/main" val="1"/>
+                <p16:designElem xmlns:p16="http://schemas.microsoft.com/office/powerpoint/2015/main" xmlns="" val="1"/>
               </p:ext>
             </p:extLst>
           </p:nvPr>
@@ -5244,7 +5411,7 @@
           <p:cNvPr id="38" name="Freeform 34">
             <a:extLst>
               <a:ext uri="{FF2B5EF4-FFF2-40B4-BE49-F238E27FC236}">
-                <a16:creationId xmlns:a16="http://schemas.microsoft.com/office/drawing/2014/main" xmlns="" id="{B0992639-1CDA-4FE6-BB95-E13221490740}"/>
+                <a16:creationId xmlns="" xmlns:a16="http://schemas.microsoft.com/office/drawing/2014/main" id="{B0992639-1CDA-4FE6-BB95-E13221490740}"/>
               </a:ext>
             </a:extLst>
           </p:cNvPr>
@@ -5254,7 +5421,7 @@
           <p:nvPr>
             <p:extLst>
               <p:ext uri="{386F3935-93C4-4BCD-93E2-E3B085C9AB24}">
-                <p16:designElem xmlns:p16="http://schemas.microsoft.com/office/powerpoint/2015/main" val="1"/>
+                <p16:designElem xmlns:p16="http://schemas.microsoft.com/office/powerpoint/2015/main" xmlns="" val="1"/>
               </p:ext>
             </p:extLst>
           </p:nvPr>
@@ -5367,7 +5534,7 @@
           <p:cNvPr id="40" name="Freeform 31">
             <a:extLst>
               <a:ext uri="{FF2B5EF4-FFF2-40B4-BE49-F238E27FC236}">
-                <a16:creationId xmlns:a16="http://schemas.microsoft.com/office/drawing/2014/main" xmlns="" id="{A2AEA782-0EA4-42E9-871D-7401D6A09739}"/>
+                <a16:creationId xmlns="" xmlns:a16="http://schemas.microsoft.com/office/drawing/2014/main" id="{A2AEA782-0EA4-42E9-871D-7401D6A09739}"/>
               </a:ext>
             </a:extLst>
           </p:cNvPr>
@@ -5377,7 +5544,7 @@
           <p:nvPr>
             <p:extLst>
               <p:ext uri="{386F3935-93C4-4BCD-93E2-E3B085C9AB24}">
-                <p16:designElem xmlns:p16="http://schemas.microsoft.com/office/powerpoint/2015/main" val="1"/>
+                <p16:designElem xmlns:p16="http://schemas.microsoft.com/office/powerpoint/2015/main" xmlns="" val="1"/>
               </p:ext>
             </p:extLst>
           </p:nvPr>
@@ -5791,7 +5958,7 @@
           <p:nvPr>
             <p:extLst>
               <p:ext uri="{386F3935-93C4-4BCD-93E2-E3B085C9AB24}">
-                <p16:designElem xmlns:p16="http://schemas.microsoft.com/office/powerpoint/2015/main" val="1"/>
+                <p16:designElem xmlns:p16="http://schemas.microsoft.com/office/powerpoint/2015/main" xmlns="" val="1"/>
               </p:ext>
             </p:extLst>
           </p:nvPr>
@@ -5844,7 +6011,7 @@
           <p:cNvPr id="17" name="Down Arrow 7">
             <a:extLst>
               <a:ext uri="{FF2B5EF4-FFF2-40B4-BE49-F238E27FC236}">
-                <a16:creationId xmlns:a16="http://schemas.microsoft.com/office/drawing/2014/main" xmlns="" id="{D4771268-CB57-404A-9271-370EB28F6090}"/>
+                <a16:creationId xmlns="" xmlns:a16="http://schemas.microsoft.com/office/drawing/2014/main" id="{D4771268-CB57-404A-9271-370EB28F6090}"/>
               </a:ext>
             </a:extLst>
           </p:cNvPr>
@@ -5854,7 +6021,7 @@
           <p:nvPr>
             <p:extLst>
               <p:ext uri="{386F3935-93C4-4BCD-93E2-E3B085C9AB24}">
-                <p16:designElem xmlns:p16="http://schemas.microsoft.com/office/powerpoint/2015/main" val="1"/>
+                <p16:designElem xmlns:p16="http://schemas.microsoft.com/office/powerpoint/2015/main" xmlns="" val="1"/>
               </p:ext>
             </p:extLst>
           </p:nvPr>
@@ -5987,7 +6154,7 @@
           <p:nvPr>
             <p:extLst>
               <p:ext uri="{386F3935-93C4-4BCD-93E2-E3B085C9AB24}">
-                <p16:designElem xmlns:p16="http://schemas.microsoft.com/office/powerpoint/2015/main" val="1"/>
+                <p16:designElem xmlns:p16="http://schemas.microsoft.com/office/powerpoint/2015/main" xmlns="" val="1"/>
               </p:ext>
             </p:extLst>
           </p:nvPr>
@@ -6040,7 +6207,7 @@
           <p:cNvPr id="17" name="Down Arrow 7">
             <a:extLst>
               <a:ext uri="{FF2B5EF4-FFF2-40B4-BE49-F238E27FC236}">
-                <a16:creationId xmlns:a16="http://schemas.microsoft.com/office/drawing/2014/main" xmlns="" id="{D4771268-CB57-404A-9271-370EB28F6090}"/>
+                <a16:creationId xmlns="" xmlns:a16="http://schemas.microsoft.com/office/drawing/2014/main" id="{D4771268-CB57-404A-9271-370EB28F6090}"/>
               </a:ext>
             </a:extLst>
           </p:cNvPr>
@@ -6050,7 +6217,7 @@
           <p:nvPr>
             <p:extLst>
               <p:ext uri="{386F3935-93C4-4BCD-93E2-E3B085C9AB24}">
-                <p16:designElem xmlns:p16="http://schemas.microsoft.com/office/powerpoint/2015/main" val="1"/>
+                <p16:designElem xmlns:p16="http://schemas.microsoft.com/office/powerpoint/2015/main" xmlns="" val="1"/>
               </p:ext>
             </p:extLst>
           </p:nvPr>
@@ -6183,7 +6350,7 @@
           <p:nvPr>
             <p:extLst>
               <p:ext uri="{386F3935-93C4-4BCD-93E2-E3B085C9AB24}">
-                <p16:designElem xmlns:p16="http://schemas.microsoft.com/office/powerpoint/2015/main" val="1"/>
+                <p16:designElem xmlns:p16="http://schemas.microsoft.com/office/powerpoint/2015/main" xmlns="" val="1"/>
               </p:ext>
             </p:extLst>
           </p:nvPr>
@@ -6236,7 +6403,7 @@
           <p:cNvPr id="24" name="Down Arrow 7">
             <a:extLst>
               <a:ext uri="{FF2B5EF4-FFF2-40B4-BE49-F238E27FC236}">
-                <a16:creationId xmlns:a16="http://schemas.microsoft.com/office/drawing/2014/main" xmlns="" id="{D4771268-CB57-404A-9271-370EB28F6090}"/>
+                <a16:creationId xmlns="" xmlns:a16="http://schemas.microsoft.com/office/drawing/2014/main" id="{D4771268-CB57-404A-9271-370EB28F6090}"/>
               </a:ext>
             </a:extLst>
           </p:cNvPr>
@@ -6246,7 +6413,7 @@
           <p:nvPr>
             <p:extLst>
               <p:ext uri="{386F3935-93C4-4BCD-93E2-E3B085C9AB24}">
-                <p16:designElem xmlns:p16="http://schemas.microsoft.com/office/powerpoint/2015/main" val="1"/>
+                <p16:designElem xmlns:p16="http://schemas.microsoft.com/office/powerpoint/2015/main" xmlns="" val="1"/>
               </p:ext>
             </p:extLst>
           </p:nvPr>
@@ -6371,7 +6538,7 @@
           <p:nvPr>
             <p:extLst>
               <p:ext uri="{386F3935-93C4-4BCD-93E2-E3B085C9AB24}">
-                <p16:designElem xmlns:p16="http://schemas.microsoft.com/office/powerpoint/2015/main" val="1"/>
+                <p16:designElem xmlns:p16="http://schemas.microsoft.com/office/powerpoint/2015/main" xmlns="" val="1"/>
               </p:ext>
             </p:extLst>
           </p:nvPr>
@@ -6424,7 +6591,7 @@
           <p:cNvPr id="24" name="Down Arrow 7">
             <a:extLst>
               <a:ext uri="{FF2B5EF4-FFF2-40B4-BE49-F238E27FC236}">
-                <a16:creationId xmlns:a16="http://schemas.microsoft.com/office/drawing/2014/main" xmlns="" id="{D4771268-CB57-404A-9271-370EB28F6090}"/>
+                <a16:creationId xmlns="" xmlns:a16="http://schemas.microsoft.com/office/drawing/2014/main" id="{D4771268-CB57-404A-9271-370EB28F6090}"/>
               </a:ext>
             </a:extLst>
           </p:cNvPr>
@@ -6434,7 +6601,7 @@
           <p:nvPr>
             <p:extLst>
               <p:ext uri="{386F3935-93C4-4BCD-93E2-E3B085C9AB24}">
-                <p16:designElem xmlns:p16="http://schemas.microsoft.com/office/powerpoint/2015/main" val="1"/>
+                <p16:designElem xmlns:p16="http://schemas.microsoft.com/office/powerpoint/2015/main" xmlns="" val="1"/>
               </p:ext>
             </p:extLst>
           </p:nvPr>
@@ -6559,7 +6726,7 @@
           <p:nvPr>
             <p:extLst>
               <p:ext uri="{386F3935-93C4-4BCD-93E2-E3B085C9AB24}">
-                <p16:designElem xmlns:p16="http://schemas.microsoft.com/office/powerpoint/2015/main" val="1"/>
+                <p16:designElem xmlns:p16="http://schemas.microsoft.com/office/powerpoint/2015/main" xmlns="" val="1"/>
               </p:ext>
             </p:extLst>
           </p:nvPr>
@@ -6612,7 +6779,7 @@
           <p:cNvPr id="31" name="Down Arrow 7">
             <a:extLst>
               <a:ext uri="{FF2B5EF4-FFF2-40B4-BE49-F238E27FC236}">
-                <a16:creationId xmlns:a16="http://schemas.microsoft.com/office/drawing/2014/main" xmlns="" id="{D4771268-CB57-404A-9271-370EB28F6090}"/>
+                <a16:creationId xmlns="" xmlns:a16="http://schemas.microsoft.com/office/drawing/2014/main" id="{D4771268-CB57-404A-9271-370EB28F6090}"/>
               </a:ext>
             </a:extLst>
           </p:cNvPr>
@@ -6622,7 +6789,7 @@
           <p:nvPr>
             <p:extLst>
               <p:ext uri="{386F3935-93C4-4BCD-93E2-E3B085C9AB24}">
-                <p16:designElem xmlns:p16="http://schemas.microsoft.com/office/powerpoint/2015/main" val="1"/>
+                <p16:designElem xmlns:p16="http://schemas.microsoft.com/office/powerpoint/2015/main" xmlns="" val="1"/>
               </p:ext>
             </p:extLst>
           </p:nvPr>
@@ -7377,7 +7544,7 @@
   <a:extraClrSchemeLst/>
   <a:extLst>
     <a:ext uri="{05A4C25C-085E-4340-85A3-A5531E510DB2}">
-      <thm15:themeFamily xmlns:thm15="http://schemas.microsoft.com/office/thememl/2012/main" name="Office Theme" id="{62F939B6-93AF-4DB8-9C6B-D6C7DFDC589F}" vid="{4A3C46E8-61CC-4603-A589-7422A47A8E4A}"/>
+      <thm15:themeFamily xmlns:thm15="http://schemas.microsoft.com/office/thememl/2012/main" xmlns="" name="Office Theme" id="{62F939B6-93AF-4DB8-9C6B-D6C7DFDC589F}" vid="{4A3C46E8-61CC-4603-A589-7422A47A8E4A}"/>
     </a:ext>
   </a:extLst>
 </a:theme>
@@ -7672,7 +7839,7 @@
   <a:extraClrSchemeLst/>
   <a:extLst>
     <a:ext uri="{05A4C25C-085E-4340-85A3-A5531E510DB2}">
-      <thm15:themeFamily xmlns:thm15="http://schemas.microsoft.com/office/thememl/2012/main" name="Office Theme" id="{62F939B6-93AF-4DB8-9C6B-D6C7DFDC589F}" vid="{4A3C46E8-61CC-4603-A589-7422A47A8E4A}"/>
+      <thm15:themeFamily xmlns:thm15="http://schemas.microsoft.com/office/thememl/2012/main" xmlns="" name="Office Theme" id="{62F939B6-93AF-4DB8-9C6B-D6C7DFDC589F}" vid="{4A3C46E8-61CC-4603-A589-7422A47A8E4A}"/>
     </a:ext>
   </a:extLst>
 </a:theme>

--- a/Zwischenvortrag/Zwischenpraesentation.pptx
+++ b/Zwischenvortrag/Zwischenpraesentation.pptx
@@ -120,7 +120,7 @@
   </p:defaultTextStyle>
   <p:extLst>
     <p:ext uri="{EFAFB233-063F-42B5-8137-9DF3F51BA10A}">
-      <p15:sldGuideLst xmlns:p15="http://schemas.microsoft.com/office/powerpoint/2012/main" xmlns="">
+      <p15:sldGuideLst xmlns="" xmlns:p15="http://schemas.microsoft.com/office/powerpoint/2012/main">
         <p15:guide id="1" orient="horz" pos="2160">
           <p15:clr>
             <a:srgbClr val="A4A3A4"/>
@@ -754,89 +754,18 @@
           <a:p>
             <a:r>
               <a:rPr lang="de-DE" dirty="0" smtClean="0"/>
-              <a:t>Wie sieht es aktuell</a:t>
+              <a:t>nur Teil, weil</a:t>
             </a:r>
             <a:r>
               <a:rPr lang="de-DE" baseline="0" dirty="0" smtClean="0"/>
-              <a:t> aus?</a:t>
-            </a:r>
-            <a:endParaRPr lang="de-DE" dirty="0" smtClean="0"/>
-          </a:p>
-          <a:p>
-            <a:r>
-              <a:rPr lang="de-DE" dirty="0" smtClean="0"/>
-              <a:t>Gespräch </a:t>
-            </a:r>
-            <a:r>
-              <a:rPr lang="de-DE" dirty="0" smtClean="0"/>
-              <a:t>zwischen Tierparkdirektor (Dr. </a:t>
-            </a:r>
-            <a:r>
-              <a:rPr lang="de-DE" dirty="0" err="1" smtClean="0"/>
-              <a:t>Knieriem</a:t>
-            </a:r>
-            <a:r>
-              <a:rPr lang="de-DE" dirty="0" smtClean="0"/>
-              <a:t>),</a:t>
-            </a:r>
+              <a:t> andere Studiengänge</a:t>
+            </a:r>
+          </a:p>
+          <a:p>
             <a:r>
               <a:rPr lang="de-DE" baseline="0" dirty="0" smtClean="0"/>
-              <a:t> </a:t>
-            </a:r>
-            <a:r>
-              <a:rPr lang="de-DE" baseline="0" dirty="0" err="1" smtClean="0"/>
-              <a:t>Päsi</a:t>
-            </a:r>
-            <a:r>
-              <a:rPr lang="de-DE" baseline="0" dirty="0" smtClean="0"/>
-              <a:t> von HWR (Dr. </a:t>
-            </a:r>
-            <a:r>
-              <a:rPr lang="de-DE" baseline="0" dirty="0" err="1" smtClean="0"/>
-              <a:t>Zaby</a:t>
-            </a:r>
-            <a:r>
-              <a:rPr lang="de-DE" baseline="0" dirty="0" smtClean="0"/>
-              <a:t>), Dr. Martin Pätzold (MdB), Danny </a:t>
-            </a:r>
-            <a:r>
-              <a:rPr lang="de-DE" baseline="0" dirty="0" err="1" smtClean="0"/>
-              <a:t>Freymark</a:t>
-            </a:r>
-            <a:r>
-              <a:rPr lang="de-DE" baseline="0" dirty="0" smtClean="0"/>
-              <a:t> (</a:t>
-            </a:r>
-            <a:r>
-              <a:rPr lang="de-DE" baseline="0" dirty="0" err="1" smtClean="0"/>
-              <a:t>MdA</a:t>
-            </a:r>
-            <a:r>
-              <a:rPr lang="de-DE" baseline="0" dirty="0" smtClean="0"/>
-              <a:t>) =&gt; Studienprojektvereinbarung</a:t>
-            </a:r>
-          </a:p>
-          <a:p>
-            <a:r>
-              <a:rPr lang="de-DE" dirty="0" smtClean="0"/>
-              <a:t>Ziel</a:t>
-            </a:r>
-            <a:r>
-              <a:rPr lang="de-DE" dirty="0"/>
-              <a:t>: automatisierter </a:t>
-            </a:r>
-            <a:r>
-              <a:rPr lang="de-DE" dirty="0" smtClean="0"/>
-              <a:t>Jahreskarteneingang</a:t>
-            </a:r>
-            <a:endParaRPr lang="de-DE" baseline="0" dirty="0" smtClean="0"/>
-          </a:p>
-          <a:p>
-            <a:r>
-              <a:rPr lang="de-DE" baseline="0" dirty="0" smtClean="0"/>
-              <a:t>=&gt; HWR: Steigerung der Campusattraktivität</a:t>
-            </a:r>
-            <a:endParaRPr lang="de-DE" dirty="0" smtClean="0"/>
+              <a:t>Ziel: Eingang von Campus zu Tierpark</a:t>
+            </a:r>
           </a:p>
           <a:p>
             <a:pPr marL="171450" indent="-171450">
@@ -844,16 +773,8 @@
               <a:buChar char="Þ"/>
             </a:pPr>
             <a:r>
-              <a:rPr lang="de-DE" dirty="0" smtClean="0"/>
-              <a:t>Tierpark</a:t>
-            </a:r>
-            <a:r>
-              <a:rPr lang="de-DE" dirty="0" smtClean="0"/>
-              <a:t>: </a:t>
-            </a:r>
-            <a:r>
-              <a:rPr lang="de-DE" dirty="0" smtClean="0"/>
-              <a:t>Besuchergewinnung</a:t>
+              <a:rPr lang="de-DE" baseline="0" dirty="0" smtClean="0"/>
+              <a:t>Attraktivitätssteigerung</a:t>
             </a:r>
           </a:p>
           <a:p>
@@ -862,8 +783,15 @@
               <a:buNone/>
             </a:pPr>
             <a:r>
+              <a:rPr lang="de-DE" baseline="0" dirty="0" smtClean="0"/>
+              <a:t>-&gt; In Pause oder nach Uni</a:t>
+            </a:r>
+            <a:endParaRPr lang="de-DE" dirty="0" smtClean="0"/>
+          </a:p>
+          <a:p>
+            <a:r>
               <a:rPr lang="de-DE" dirty="0" smtClean="0"/>
-              <a:t>Ziel?</a:t>
+              <a:t>Jahreskartenebene</a:t>
             </a:r>
             <a:endParaRPr lang="de-DE" dirty="0"/>
           </a:p>
@@ -4612,7 +4540,7 @@
           <p:cNvPr id="11" name="Freeform 3">
             <a:extLst>
               <a:ext uri="{FF2B5EF4-FFF2-40B4-BE49-F238E27FC236}">
-                <a16:creationId xmlns="" xmlns:a16="http://schemas.microsoft.com/office/drawing/2014/main" id="{F6429F11-64E2-4420-9B0C-F3F81BF0D15B}"/>
+                <a16:creationId xmlns:a16="http://schemas.microsoft.com/office/drawing/2014/main" xmlns="" id="{F6429F11-64E2-4420-9B0C-F3F81BF0D15B}"/>
               </a:ext>
             </a:extLst>
           </p:cNvPr>
@@ -4622,7 +4550,7 @@
           <p:nvPr>
             <p:extLst>
               <p:ext uri="{386F3935-93C4-4BCD-93E2-E3B085C9AB24}">
-                <p16:designElem xmlns:p16="http://schemas.microsoft.com/office/powerpoint/2015/main" xmlns="" val="1"/>
+                <p16:designElem xmlns="" xmlns:p16="http://schemas.microsoft.com/office/powerpoint/2015/main" val="1"/>
               </p:ext>
             </p:extLst>
           </p:nvPr>
@@ -4777,7 +4705,7 @@
           <p:cNvPr id="13" name="Freeform 4">
             <a:extLst>
               <a:ext uri="{FF2B5EF4-FFF2-40B4-BE49-F238E27FC236}">
-                <a16:creationId xmlns="" xmlns:a16="http://schemas.microsoft.com/office/drawing/2014/main" id="{62785A07-F203-435E-8E76-BB97680C2FCA}"/>
+                <a16:creationId xmlns:a16="http://schemas.microsoft.com/office/drawing/2014/main" xmlns="" id="{62785A07-F203-435E-8E76-BB97680C2FCA}"/>
               </a:ext>
             </a:extLst>
           </p:cNvPr>
@@ -4787,7 +4715,7 @@
           <p:nvPr>
             <p:extLst>
               <p:ext uri="{386F3935-93C4-4BCD-93E2-E3B085C9AB24}">
-                <p16:designElem xmlns:p16="http://schemas.microsoft.com/office/powerpoint/2015/main" xmlns="" val="1"/>
+                <p16:designElem xmlns="" xmlns:p16="http://schemas.microsoft.com/office/powerpoint/2015/main" val="1"/>
               </p:ext>
             </p:extLst>
           </p:nvPr>
@@ -5130,7 +5058,7 @@
           <p:nvPr>
             <p:extLst>
               <p:ext uri="{386F3935-93C4-4BCD-93E2-E3B085C9AB24}">
-                <p16:designElem xmlns:p16="http://schemas.microsoft.com/office/powerpoint/2015/main" xmlns="" val="1"/>
+                <p16:designElem xmlns="" xmlns:p16="http://schemas.microsoft.com/office/powerpoint/2015/main" val="1"/>
               </p:ext>
             </p:extLst>
           </p:nvPr>
@@ -5182,7 +5110,7 @@
           <p:cNvPr id="13" name="Rectangle 12">
             <a:extLst>
               <a:ext uri="{FF2B5EF4-FFF2-40B4-BE49-F238E27FC236}">
-                <a16:creationId xmlns="" xmlns:a16="http://schemas.microsoft.com/office/drawing/2014/main" id="{5FE860FF-6214-458C-B8B6-840D3D4BD8AE}"/>
+                <a16:creationId xmlns:a16="http://schemas.microsoft.com/office/drawing/2014/main" xmlns="" id="{5FE860FF-6214-458C-B8B6-840D3D4BD8AE}"/>
               </a:ext>
             </a:extLst>
           </p:cNvPr>
@@ -5192,7 +5120,7 @@
           <p:nvPr>
             <p:extLst>
               <p:ext uri="{386F3935-93C4-4BCD-93E2-E3B085C9AB24}">
-                <p16:designElem xmlns:p16="http://schemas.microsoft.com/office/powerpoint/2015/main" xmlns="" val="1"/>
+                <p16:designElem xmlns="" xmlns:p16="http://schemas.microsoft.com/office/powerpoint/2015/main" val="1"/>
               </p:ext>
             </p:extLst>
           </p:nvPr>
@@ -5245,7 +5173,7 @@
           <p:cNvPr id="15" name="Straight Connector 14">
             <a:extLst>
               <a:ext uri="{FF2B5EF4-FFF2-40B4-BE49-F238E27FC236}">
-                <a16:creationId xmlns="" xmlns:a16="http://schemas.microsoft.com/office/drawing/2014/main" id="{6079A69E-2DBC-4FA4-8495-9B37C56A910E}"/>
+                <a16:creationId xmlns:a16="http://schemas.microsoft.com/office/drawing/2014/main" xmlns="" id="{6079A69E-2DBC-4FA4-8495-9B37C56A910E}"/>
               </a:ext>
             </a:extLst>
           </p:cNvPr>
@@ -5255,7 +5183,7 @@
           <p:nvPr>
             <p:extLst>
               <p:ext uri="{386F3935-93C4-4BCD-93E2-E3B085C9AB24}">
-                <p16:designElem xmlns:p16="http://schemas.microsoft.com/office/powerpoint/2015/main" xmlns="" val="1"/>
+                <p16:designElem xmlns="" xmlns:p16="http://schemas.microsoft.com/office/powerpoint/2015/main" val="1"/>
               </p:ext>
             </p:extLst>
           </p:nvPr>
@@ -5296,7 +5224,7 @@
           <p:cNvPr id="17" name="Straight Connector 16">
             <a:extLst>
               <a:ext uri="{FF2B5EF4-FFF2-40B4-BE49-F238E27FC236}">
-                <a16:creationId xmlns="" xmlns:a16="http://schemas.microsoft.com/office/drawing/2014/main" id="{0F80B1E9-A8C1-4802-BFFD-7FC81CD2112C}"/>
+                <a16:creationId xmlns:a16="http://schemas.microsoft.com/office/drawing/2014/main" xmlns="" id="{0F80B1E9-A8C1-4802-BFFD-7FC81CD2112C}"/>
               </a:ext>
             </a:extLst>
           </p:cNvPr>
@@ -5306,7 +5234,7 @@
           <p:nvPr>
             <p:extLst>
               <p:ext uri="{386F3935-93C4-4BCD-93E2-E3B085C9AB24}">
-                <p16:designElem xmlns:p16="http://schemas.microsoft.com/office/powerpoint/2015/main" xmlns="" val="1"/>
+                <p16:designElem xmlns="" xmlns:p16="http://schemas.microsoft.com/office/powerpoint/2015/main" val="1"/>
               </p:ext>
             </p:extLst>
           </p:nvPr>
@@ -5411,7 +5339,7 @@
           <p:cNvPr id="38" name="Freeform 34">
             <a:extLst>
               <a:ext uri="{FF2B5EF4-FFF2-40B4-BE49-F238E27FC236}">
-                <a16:creationId xmlns="" xmlns:a16="http://schemas.microsoft.com/office/drawing/2014/main" id="{B0992639-1CDA-4FE6-BB95-E13221490740}"/>
+                <a16:creationId xmlns:a16="http://schemas.microsoft.com/office/drawing/2014/main" xmlns="" id="{B0992639-1CDA-4FE6-BB95-E13221490740}"/>
               </a:ext>
             </a:extLst>
           </p:cNvPr>
@@ -5421,7 +5349,7 @@
           <p:nvPr>
             <p:extLst>
               <p:ext uri="{386F3935-93C4-4BCD-93E2-E3B085C9AB24}">
-                <p16:designElem xmlns:p16="http://schemas.microsoft.com/office/powerpoint/2015/main" xmlns="" val="1"/>
+                <p16:designElem xmlns="" xmlns:p16="http://schemas.microsoft.com/office/powerpoint/2015/main" val="1"/>
               </p:ext>
             </p:extLst>
           </p:nvPr>
@@ -5534,7 +5462,7 @@
           <p:cNvPr id="40" name="Freeform 31">
             <a:extLst>
               <a:ext uri="{FF2B5EF4-FFF2-40B4-BE49-F238E27FC236}">
-                <a16:creationId xmlns="" xmlns:a16="http://schemas.microsoft.com/office/drawing/2014/main" id="{A2AEA782-0EA4-42E9-871D-7401D6A09739}"/>
+                <a16:creationId xmlns:a16="http://schemas.microsoft.com/office/drawing/2014/main" xmlns="" id="{A2AEA782-0EA4-42E9-871D-7401D6A09739}"/>
               </a:ext>
             </a:extLst>
           </p:cNvPr>
@@ -5544,7 +5472,7 @@
           <p:nvPr>
             <p:extLst>
               <p:ext uri="{386F3935-93C4-4BCD-93E2-E3B085C9AB24}">
-                <p16:designElem xmlns:p16="http://schemas.microsoft.com/office/powerpoint/2015/main" xmlns="" val="1"/>
+                <p16:designElem xmlns="" xmlns:p16="http://schemas.microsoft.com/office/powerpoint/2015/main" val="1"/>
               </p:ext>
             </p:extLst>
           </p:nvPr>
@@ -5958,7 +5886,7 @@
           <p:nvPr>
             <p:extLst>
               <p:ext uri="{386F3935-93C4-4BCD-93E2-E3B085C9AB24}">
-                <p16:designElem xmlns:p16="http://schemas.microsoft.com/office/powerpoint/2015/main" xmlns="" val="1"/>
+                <p16:designElem xmlns="" xmlns:p16="http://schemas.microsoft.com/office/powerpoint/2015/main" val="1"/>
               </p:ext>
             </p:extLst>
           </p:nvPr>
@@ -6011,7 +5939,7 @@
           <p:cNvPr id="17" name="Down Arrow 7">
             <a:extLst>
               <a:ext uri="{FF2B5EF4-FFF2-40B4-BE49-F238E27FC236}">
-                <a16:creationId xmlns="" xmlns:a16="http://schemas.microsoft.com/office/drawing/2014/main" id="{D4771268-CB57-404A-9271-370EB28F6090}"/>
+                <a16:creationId xmlns:a16="http://schemas.microsoft.com/office/drawing/2014/main" xmlns="" id="{D4771268-CB57-404A-9271-370EB28F6090}"/>
               </a:ext>
             </a:extLst>
           </p:cNvPr>
@@ -6021,7 +5949,7 @@
           <p:nvPr>
             <p:extLst>
               <p:ext uri="{386F3935-93C4-4BCD-93E2-E3B085C9AB24}">
-                <p16:designElem xmlns:p16="http://schemas.microsoft.com/office/powerpoint/2015/main" xmlns="" val="1"/>
+                <p16:designElem xmlns="" xmlns:p16="http://schemas.microsoft.com/office/powerpoint/2015/main" val="1"/>
               </p:ext>
             </p:extLst>
           </p:nvPr>
@@ -6154,7 +6082,7 @@
           <p:nvPr>
             <p:extLst>
               <p:ext uri="{386F3935-93C4-4BCD-93E2-E3B085C9AB24}">
-                <p16:designElem xmlns:p16="http://schemas.microsoft.com/office/powerpoint/2015/main" xmlns="" val="1"/>
+                <p16:designElem xmlns="" xmlns:p16="http://schemas.microsoft.com/office/powerpoint/2015/main" val="1"/>
               </p:ext>
             </p:extLst>
           </p:nvPr>
@@ -6207,7 +6135,7 @@
           <p:cNvPr id="17" name="Down Arrow 7">
             <a:extLst>
               <a:ext uri="{FF2B5EF4-FFF2-40B4-BE49-F238E27FC236}">
-                <a16:creationId xmlns="" xmlns:a16="http://schemas.microsoft.com/office/drawing/2014/main" id="{D4771268-CB57-404A-9271-370EB28F6090}"/>
+                <a16:creationId xmlns:a16="http://schemas.microsoft.com/office/drawing/2014/main" xmlns="" id="{D4771268-CB57-404A-9271-370EB28F6090}"/>
               </a:ext>
             </a:extLst>
           </p:cNvPr>
@@ -6217,7 +6145,7 @@
           <p:nvPr>
             <p:extLst>
               <p:ext uri="{386F3935-93C4-4BCD-93E2-E3B085C9AB24}">
-                <p16:designElem xmlns:p16="http://schemas.microsoft.com/office/powerpoint/2015/main" xmlns="" val="1"/>
+                <p16:designElem xmlns="" xmlns:p16="http://schemas.microsoft.com/office/powerpoint/2015/main" val="1"/>
               </p:ext>
             </p:extLst>
           </p:nvPr>
@@ -6350,7 +6278,7 @@
           <p:nvPr>
             <p:extLst>
               <p:ext uri="{386F3935-93C4-4BCD-93E2-E3B085C9AB24}">
-                <p16:designElem xmlns:p16="http://schemas.microsoft.com/office/powerpoint/2015/main" xmlns="" val="1"/>
+                <p16:designElem xmlns="" xmlns:p16="http://schemas.microsoft.com/office/powerpoint/2015/main" val="1"/>
               </p:ext>
             </p:extLst>
           </p:nvPr>
@@ -6403,7 +6331,7 @@
           <p:cNvPr id="24" name="Down Arrow 7">
             <a:extLst>
               <a:ext uri="{FF2B5EF4-FFF2-40B4-BE49-F238E27FC236}">
-                <a16:creationId xmlns="" xmlns:a16="http://schemas.microsoft.com/office/drawing/2014/main" id="{D4771268-CB57-404A-9271-370EB28F6090}"/>
+                <a16:creationId xmlns:a16="http://schemas.microsoft.com/office/drawing/2014/main" xmlns="" id="{D4771268-CB57-404A-9271-370EB28F6090}"/>
               </a:ext>
             </a:extLst>
           </p:cNvPr>
@@ -6413,7 +6341,7 @@
           <p:nvPr>
             <p:extLst>
               <p:ext uri="{386F3935-93C4-4BCD-93E2-E3B085C9AB24}">
-                <p16:designElem xmlns:p16="http://schemas.microsoft.com/office/powerpoint/2015/main" xmlns="" val="1"/>
+                <p16:designElem xmlns="" xmlns:p16="http://schemas.microsoft.com/office/powerpoint/2015/main" val="1"/>
               </p:ext>
             </p:extLst>
           </p:nvPr>
@@ -6538,7 +6466,7 @@
           <p:nvPr>
             <p:extLst>
               <p:ext uri="{386F3935-93C4-4BCD-93E2-E3B085C9AB24}">
-                <p16:designElem xmlns:p16="http://schemas.microsoft.com/office/powerpoint/2015/main" xmlns="" val="1"/>
+                <p16:designElem xmlns="" xmlns:p16="http://schemas.microsoft.com/office/powerpoint/2015/main" val="1"/>
               </p:ext>
             </p:extLst>
           </p:nvPr>
@@ -6591,7 +6519,7 @@
           <p:cNvPr id="24" name="Down Arrow 7">
             <a:extLst>
               <a:ext uri="{FF2B5EF4-FFF2-40B4-BE49-F238E27FC236}">
-                <a16:creationId xmlns="" xmlns:a16="http://schemas.microsoft.com/office/drawing/2014/main" id="{D4771268-CB57-404A-9271-370EB28F6090}"/>
+                <a16:creationId xmlns:a16="http://schemas.microsoft.com/office/drawing/2014/main" xmlns="" id="{D4771268-CB57-404A-9271-370EB28F6090}"/>
               </a:ext>
             </a:extLst>
           </p:cNvPr>
@@ -6601,7 +6529,7 @@
           <p:nvPr>
             <p:extLst>
               <p:ext uri="{386F3935-93C4-4BCD-93E2-E3B085C9AB24}">
-                <p16:designElem xmlns:p16="http://schemas.microsoft.com/office/powerpoint/2015/main" xmlns="" val="1"/>
+                <p16:designElem xmlns="" xmlns:p16="http://schemas.microsoft.com/office/powerpoint/2015/main" val="1"/>
               </p:ext>
             </p:extLst>
           </p:nvPr>
@@ -6726,7 +6654,7 @@
           <p:nvPr>
             <p:extLst>
               <p:ext uri="{386F3935-93C4-4BCD-93E2-E3B085C9AB24}">
-                <p16:designElem xmlns:p16="http://schemas.microsoft.com/office/powerpoint/2015/main" xmlns="" val="1"/>
+                <p16:designElem xmlns="" xmlns:p16="http://schemas.microsoft.com/office/powerpoint/2015/main" val="1"/>
               </p:ext>
             </p:extLst>
           </p:nvPr>
@@ -6779,7 +6707,7 @@
           <p:cNvPr id="31" name="Down Arrow 7">
             <a:extLst>
               <a:ext uri="{FF2B5EF4-FFF2-40B4-BE49-F238E27FC236}">
-                <a16:creationId xmlns="" xmlns:a16="http://schemas.microsoft.com/office/drawing/2014/main" id="{D4771268-CB57-404A-9271-370EB28F6090}"/>
+                <a16:creationId xmlns:a16="http://schemas.microsoft.com/office/drawing/2014/main" xmlns="" id="{D4771268-CB57-404A-9271-370EB28F6090}"/>
               </a:ext>
             </a:extLst>
           </p:cNvPr>
@@ -6789,7 +6717,7 @@
           <p:nvPr>
             <p:extLst>
               <p:ext uri="{386F3935-93C4-4BCD-93E2-E3B085C9AB24}">
-                <p16:designElem xmlns:p16="http://schemas.microsoft.com/office/powerpoint/2015/main" xmlns="" val="1"/>
+                <p16:designElem xmlns="" xmlns:p16="http://schemas.microsoft.com/office/powerpoint/2015/main" val="1"/>
               </p:ext>
             </p:extLst>
           </p:nvPr>
@@ -7544,7 +7472,7 @@
   <a:extraClrSchemeLst/>
   <a:extLst>
     <a:ext uri="{05A4C25C-085E-4340-85A3-A5531E510DB2}">
-      <thm15:themeFamily xmlns:thm15="http://schemas.microsoft.com/office/thememl/2012/main" xmlns="" name="Office Theme" id="{62F939B6-93AF-4DB8-9C6B-D6C7DFDC589F}" vid="{4A3C46E8-61CC-4603-A589-7422A47A8E4A}"/>
+      <thm15:themeFamily xmlns="" xmlns:thm15="http://schemas.microsoft.com/office/thememl/2012/main" name="Office Theme" id="{62F939B6-93AF-4DB8-9C6B-D6C7DFDC589F}" vid="{4A3C46E8-61CC-4603-A589-7422A47A8E4A}"/>
     </a:ext>
   </a:extLst>
 </a:theme>
@@ -7839,7 +7767,7 @@
   <a:extraClrSchemeLst/>
   <a:extLst>
     <a:ext uri="{05A4C25C-085E-4340-85A3-A5531E510DB2}">
-      <thm15:themeFamily xmlns:thm15="http://schemas.microsoft.com/office/thememl/2012/main" xmlns="" name="Office Theme" id="{62F939B6-93AF-4DB8-9C6B-D6C7DFDC589F}" vid="{4A3C46E8-61CC-4603-A589-7422A47A8E4A}"/>
+      <thm15:themeFamily xmlns="" xmlns:thm15="http://schemas.microsoft.com/office/thememl/2012/main" name="Office Theme" id="{62F939B6-93AF-4DB8-9C6B-D6C7DFDC589F}" vid="{4A3C46E8-61CC-4603-A589-7422A47A8E4A}"/>
     </a:ext>
   </a:extLst>
 </a:theme>
